--- a/Cyclistic.pptx
+++ b/Cyclistic.pptx
@@ -5,21 +5,23 @@
     <p:sldMasterId id="2147483648" r:id="rId1"/>
   </p:sldMasterIdLst>
   <p:notesMasterIdLst>
-    <p:notesMasterId r:id="rId14"/>
+    <p:notesMasterId r:id="rId16"/>
   </p:notesMasterIdLst>
   <p:sldIdLst>
     <p:sldId id="256" r:id="rId2"/>
-    <p:sldId id="257" r:id="rId3"/>
-    <p:sldId id="263" r:id="rId4"/>
-    <p:sldId id="271" r:id="rId5"/>
-    <p:sldId id="264" r:id="rId6"/>
-    <p:sldId id="265" r:id="rId7"/>
-    <p:sldId id="266" r:id="rId8"/>
-    <p:sldId id="267" r:id="rId9"/>
-    <p:sldId id="268" r:id="rId10"/>
-    <p:sldId id="273" r:id="rId11"/>
-    <p:sldId id="269" r:id="rId12"/>
-    <p:sldId id="270" r:id="rId13"/>
+    <p:sldId id="274" r:id="rId3"/>
+    <p:sldId id="257" r:id="rId4"/>
+    <p:sldId id="263" r:id="rId5"/>
+    <p:sldId id="271" r:id="rId6"/>
+    <p:sldId id="275" r:id="rId7"/>
+    <p:sldId id="264" r:id="rId8"/>
+    <p:sldId id="265" r:id="rId9"/>
+    <p:sldId id="266" r:id="rId10"/>
+    <p:sldId id="267" r:id="rId11"/>
+    <p:sldId id="268" r:id="rId12"/>
+    <p:sldId id="273" r:id="rId13"/>
+    <p:sldId id="269" r:id="rId14"/>
+    <p:sldId id="270" r:id="rId15"/>
   </p:sldIdLst>
   <p:sldSz cx="12192000" cy="6858000"/>
   <p:notesSz cx="6858000" cy="9144000"/>
@@ -208,7 +210,7 @@
           <a:p>
             <a:fld id="{FAF554CC-9BD3-4D84-8153-37815C4898F0}" type="datetimeFigureOut">
               <a:rPr lang="en-US" smtClean="0"/>
-              <a:t>3/6/2024</a:t>
+              <a:t>3/12/2024</a:t>
             </a:fld>
             <a:endParaRPr lang="en-US" dirty="0"/>
           </a:p>
@@ -540,7 +542,7 @@
           <a:p>
             <a:fld id="{17F3CE87-4D68-4ED3-AE5B-2DEA6B82EF44}" type="slidenum">
               <a:rPr lang="en-US" smtClean="0"/>
-              <a:t>2</a:t>
+              <a:t>3</a:t>
             </a:fld>
             <a:endParaRPr lang="en-US"/>
           </a:p>
@@ -624,7 +626,91 @@
           <a:p>
             <a:fld id="{17F3CE87-4D68-4ED3-AE5B-2DEA6B82EF44}" type="slidenum">
               <a:rPr lang="en-US" smtClean="0"/>
-              <a:t>12</a:t>
+              <a:t>13</a:t>
+            </a:fld>
+            <a:endParaRPr lang="en-US" dirty="0"/>
+          </a:p>
+        </p:txBody>
+      </p:sp>
+    </p:spTree>
+    <p:extLst>
+      <p:ext uri="{BB962C8B-B14F-4D97-AF65-F5344CB8AC3E}">
+        <p14:creationId xmlns:p14="http://schemas.microsoft.com/office/powerpoint/2010/main" val="3610900891"/>
+      </p:ext>
+    </p:extLst>
+  </p:cSld>
+  <p:clrMapOvr>
+    <a:masterClrMapping/>
+  </p:clrMapOvr>
+</p:notes>
+</file>
+
+<file path=ppt/notesSlides/notesSlide11.xml><?xml version="1.0" encoding="utf-8"?>
+<p:notes xmlns:a="http://schemas.openxmlformats.org/drawingml/2006/main" xmlns:r="http://schemas.openxmlformats.org/officeDocument/2006/relationships" xmlns:p="http://schemas.openxmlformats.org/presentationml/2006/main">
+  <p:cSld>
+    <p:spTree>
+      <p:nvGrpSpPr>
+        <p:cNvPr id="1" name=""/>
+        <p:cNvGrpSpPr/>
+        <p:nvPr/>
+      </p:nvGrpSpPr>
+      <p:grpSpPr>
+        <a:xfrm>
+          <a:off x="0" y="0"/>
+          <a:ext cx="0" cy="0"/>
+          <a:chOff x="0" y="0"/>
+          <a:chExt cx="0" cy="0"/>
+        </a:xfrm>
+      </p:grpSpPr>
+      <p:sp>
+        <p:nvSpPr>
+          <p:cNvPr id="2" name="Slide Image Placeholder 1"/>
+          <p:cNvSpPr>
+            <a:spLocks noGrp="1" noRot="1" noChangeAspect="1"/>
+          </p:cNvSpPr>
+          <p:nvPr>
+            <p:ph type="sldImg"/>
+          </p:nvPr>
+        </p:nvSpPr>
+        <p:spPr/>
+      </p:sp>
+      <p:sp>
+        <p:nvSpPr>
+          <p:cNvPr id="3" name="Notes Placeholder 2"/>
+          <p:cNvSpPr>
+            <a:spLocks noGrp="1"/>
+          </p:cNvSpPr>
+          <p:nvPr>
+            <p:ph type="body" idx="1"/>
+          </p:nvPr>
+        </p:nvSpPr>
+        <p:spPr/>
+        <p:txBody>
+          <a:bodyPr/>
+          <a:lstStyle/>
+          <a:p>
+            <a:endParaRPr lang="en-US" dirty="0"/>
+          </a:p>
+        </p:txBody>
+      </p:sp>
+      <p:sp>
+        <p:nvSpPr>
+          <p:cNvPr id="4" name="Slide Number Placeholder 3"/>
+          <p:cNvSpPr>
+            <a:spLocks noGrp="1"/>
+          </p:cNvSpPr>
+          <p:nvPr>
+            <p:ph type="sldNum" sz="quarter" idx="5"/>
+          </p:nvPr>
+        </p:nvSpPr>
+        <p:spPr/>
+        <p:txBody>
+          <a:bodyPr/>
+          <a:lstStyle/>
+          <a:p>
+            <a:fld id="{17F3CE87-4D68-4ED3-AE5B-2DEA6B82EF44}" type="slidenum">
+              <a:rPr lang="en-US" smtClean="0"/>
+              <a:t>14</a:t>
             </a:fld>
             <a:endParaRPr lang="en-US" dirty="0"/>
           </a:p>
@@ -708,7 +794,7 @@
           <a:p>
             <a:fld id="{17F3CE87-4D68-4ED3-AE5B-2DEA6B82EF44}" type="slidenum">
               <a:rPr lang="en-US" smtClean="0"/>
-              <a:t>3</a:t>
+              <a:t>4</a:t>
             </a:fld>
             <a:endParaRPr lang="en-US"/>
           </a:p>
@@ -792,7 +878,7 @@
           <a:p>
             <a:fld id="{17F3CE87-4D68-4ED3-AE5B-2DEA6B82EF44}" type="slidenum">
               <a:rPr lang="en-US" smtClean="0"/>
-              <a:t>4</a:t>
+              <a:t>5</a:t>
             </a:fld>
             <a:endParaRPr lang="en-US"/>
           </a:p>
@@ -876,7 +962,7 @@
           <a:p>
             <a:fld id="{17F3CE87-4D68-4ED3-AE5B-2DEA6B82EF44}" type="slidenum">
               <a:rPr lang="en-US" smtClean="0"/>
-              <a:t>5</a:t>
+              <a:t>7</a:t>
             </a:fld>
             <a:endParaRPr lang="en-US"/>
           </a:p>
@@ -960,7 +1046,7 @@
           <a:p>
             <a:fld id="{17F3CE87-4D68-4ED3-AE5B-2DEA6B82EF44}" type="slidenum">
               <a:rPr lang="en-US" smtClean="0"/>
-              <a:t>6</a:t>
+              <a:t>8</a:t>
             </a:fld>
             <a:endParaRPr lang="en-US"/>
           </a:p>
@@ -1044,7 +1130,7 @@
           <a:p>
             <a:fld id="{17F3CE87-4D68-4ED3-AE5B-2DEA6B82EF44}" type="slidenum">
               <a:rPr lang="en-US" smtClean="0"/>
-              <a:t>7</a:t>
+              <a:t>9</a:t>
             </a:fld>
             <a:endParaRPr lang="en-US"/>
           </a:p>
@@ -1128,7 +1214,7 @@
           <a:p>
             <a:fld id="{17F3CE87-4D68-4ED3-AE5B-2DEA6B82EF44}" type="slidenum">
               <a:rPr lang="en-US" smtClean="0"/>
-              <a:t>8</a:t>
+              <a:t>10</a:t>
             </a:fld>
             <a:endParaRPr lang="en-US"/>
           </a:p>
@@ -1212,7 +1298,7 @@
           <a:p>
             <a:fld id="{17F3CE87-4D68-4ED3-AE5B-2DEA6B82EF44}" type="slidenum">
               <a:rPr lang="en-US" smtClean="0"/>
-              <a:t>9</a:t>
+              <a:t>11</a:t>
             </a:fld>
             <a:endParaRPr lang="en-US"/>
           </a:p>
@@ -1296,7 +1382,7 @@
           <a:p>
             <a:fld id="{17F3CE87-4D68-4ED3-AE5B-2DEA6B82EF44}" type="slidenum">
               <a:rPr lang="en-US" smtClean="0"/>
-              <a:t>11</a:t>
+              <a:t>12</a:t>
             </a:fld>
             <a:endParaRPr lang="en-US" dirty="0"/>
           </a:p>
@@ -1305,7 +1391,7 @@
     </p:spTree>
     <p:extLst>
       <p:ext uri="{BB962C8B-B14F-4D97-AF65-F5344CB8AC3E}">
-        <p14:creationId xmlns:p14="http://schemas.microsoft.com/office/powerpoint/2010/main" val="3610900891"/>
+        <p14:creationId xmlns:p14="http://schemas.microsoft.com/office/powerpoint/2010/main" val="4212130519"/>
       </p:ext>
     </p:extLst>
   </p:cSld>
@@ -1462,7 +1548,7 @@
           <a:p>
             <a:fld id="{1198680E-EADA-40DF-9776-C40CD1036FF8}" type="datetimeFigureOut">
               <a:rPr lang="en-US" smtClean="0"/>
-              <a:t>3/6/2024</a:t>
+              <a:t>3/12/2024</a:t>
             </a:fld>
             <a:endParaRPr lang="en-US" dirty="0"/>
           </a:p>
@@ -1660,7 +1746,7 @@
           <a:p>
             <a:fld id="{1198680E-EADA-40DF-9776-C40CD1036FF8}" type="datetimeFigureOut">
               <a:rPr lang="en-US" smtClean="0"/>
-              <a:t>3/6/2024</a:t>
+              <a:t>3/12/2024</a:t>
             </a:fld>
             <a:endParaRPr lang="en-US" dirty="0"/>
           </a:p>
@@ -1868,7 +1954,7 @@
           <a:p>
             <a:fld id="{1198680E-EADA-40DF-9776-C40CD1036FF8}" type="datetimeFigureOut">
               <a:rPr lang="en-US" smtClean="0"/>
-              <a:t>3/6/2024</a:t>
+              <a:t>3/12/2024</a:t>
             </a:fld>
             <a:endParaRPr lang="en-US" dirty="0"/>
           </a:p>
@@ -2066,7 +2152,7 @@
           <a:p>
             <a:fld id="{1198680E-EADA-40DF-9776-C40CD1036FF8}" type="datetimeFigureOut">
               <a:rPr lang="en-US" smtClean="0"/>
-              <a:t>3/6/2024</a:t>
+              <a:t>3/12/2024</a:t>
             </a:fld>
             <a:endParaRPr lang="en-US" dirty="0"/>
           </a:p>
@@ -2341,7 +2427,7 @@
           <a:p>
             <a:fld id="{1198680E-EADA-40DF-9776-C40CD1036FF8}" type="datetimeFigureOut">
               <a:rPr lang="en-US" smtClean="0"/>
-              <a:t>3/6/2024</a:t>
+              <a:t>3/12/2024</a:t>
             </a:fld>
             <a:endParaRPr lang="en-US" dirty="0"/>
           </a:p>
@@ -2606,7 +2692,7 @@
           <a:p>
             <a:fld id="{1198680E-EADA-40DF-9776-C40CD1036FF8}" type="datetimeFigureOut">
               <a:rPr lang="en-US" smtClean="0"/>
-              <a:t>3/6/2024</a:t>
+              <a:t>3/12/2024</a:t>
             </a:fld>
             <a:endParaRPr lang="en-US" dirty="0"/>
           </a:p>
@@ -3018,7 +3104,7 @@
           <a:p>
             <a:fld id="{1198680E-EADA-40DF-9776-C40CD1036FF8}" type="datetimeFigureOut">
               <a:rPr lang="en-US" smtClean="0"/>
-              <a:t>3/6/2024</a:t>
+              <a:t>3/12/2024</a:t>
             </a:fld>
             <a:endParaRPr lang="en-US" dirty="0"/>
           </a:p>
@@ -3159,7 +3245,7 @@
           <a:p>
             <a:fld id="{1198680E-EADA-40DF-9776-C40CD1036FF8}" type="datetimeFigureOut">
               <a:rPr lang="en-US" smtClean="0"/>
-              <a:t>3/6/2024</a:t>
+              <a:t>3/12/2024</a:t>
             </a:fld>
             <a:endParaRPr lang="en-US" dirty="0"/>
           </a:p>
@@ -3272,7 +3358,7 @@
           <a:p>
             <a:fld id="{1198680E-EADA-40DF-9776-C40CD1036FF8}" type="datetimeFigureOut">
               <a:rPr lang="en-US" smtClean="0"/>
-              <a:t>3/6/2024</a:t>
+              <a:t>3/12/2024</a:t>
             </a:fld>
             <a:endParaRPr lang="en-US" dirty="0"/>
           </a:p>
@@ -3583,7 +3669,7 @@
           <a:p>
             <a:fld id="{1198680E-EADA-40DF-9776-C40CD1036FF8}" type="datetimeFigureOut">
               <a:rPr lang="en-US" smtClean="0"/>
-              <a:t>3/6/2024</a:t>
+              <a:t>3/12/2024</a:t>
             </a:fld>
             <a:endParaRPr lang="en-US" dirty="0"/>
           </a:p>
@@ -3871,7 +3957,7 @@
           <a:p>
             <a:fld id="{1198680E-EADA-40DF-9776-C40CD1036FF8}" type="datetimeFigureOut">
               <a:rPr lang="en-US" smtClean="0"/>
-              <a:t>3/6/2024</a:t>
+              <a:t>3/12/2024</a:t>
             </a:fld>
             <a:endParaRPr lang="en-US" dirty="0"/>
           </a:p>
@@ -4112,7 +4198,7 @@
           <a:p>
             <a:fld id="{1198680E-EADA-40DF-9776-C40CD1036FF8}" type="datetimeFigureOut">
               <a:rPr lang="en-US" smtClean="0"/>
-              <a:t>3/6/2024</a:t>
+              <a:t>3/12/2024</a:t>
             </a:fld>
             <a:endParaRPr lang="en-US" dirty="0"/>
           </a:p>
@@ -4622,13 +4708,13 @@
   <p:clrMapOvr>
     <a:masterClrMapping/>
   </p:clrMapOvr>
-  <mc:AlternateContent xmlns:mc="http://schemas.openxmlformats.org/markup-compatibility/2006" xmlns:p159="http://schemas.microsoft.com/office/powerpoint/2015/09/main">
-    <mc:Choice Requires="p159">
+  <mc:AlternateContent xmlns:mc="http://schemas.openxmlformats.org/markup-compatibility/2006">
+    <mc:Choice xmlns:p159="http://schemas.microsoft.com/office/powerpoint/2015/09/main" Requires="p159">
       <p:transition xmlns:p14="http://schemas.microsoft.com/office/powerpoint/2010/main" spd="slow" p14:dur="2000">
         <p159:morph option="byObject"/>
       </p:transition>
     </mc:Choice>
-    <mc:Fallback xmlns="">
+    <mc:Fallback>
       <p:transition spd="slow">
         <p:fade/>
       </p:transition>
@@ -4656,10 +4742,10 @@
       </p:grpSpPr>
       <p:pic>
         <p:nvPicPr>
-          <p:cNvPr id="3" name="Picture 2">
-            <a:extLst>
-              <a:ext uri="{FF2B5EF4-FFF2-40B4-BE49-F238E27FC236}">
-                <a16:creationId xmlns:a16="http://schemas.microsoft.com/office/drawing/2014/main" id="{55D96FCA-B852-4D2B-BBE4-855A3723FFD6}"/>
+          <p:cNvPr id="9" name="Picture 8">
+            <a:extLst>
+              <a:ext uri="{FF2B5EF4-FFF2-40B4-BE49-F238E27FC236}">
+                <a16:creationId xmlns:a16="http://schemas.microsoft.com/office/drawing/2014/main" id="{68292446-FC53-488F-91F5-A8CDAB42CA63}"/>
               </a:ext>
             </a:extLst>
           </p:cNvPr>
@@ -4668,33 +4754,78 @@
           </p:cNvPicPr>
           <p:nvPr/>
         </p:nvPicPr>
-        <p:blipFill rotWithShape="1">
-          <a:blip r:embed="rId2" cstate="email">
+        <p:blipFill>
+          <a:blip r:embed="rId3">
             <a:extLst>
               <a:ext uri="{28A0092B-C50C-407E-A947-70E740481C1C}">
-                <a14:useLocalDpi xmlns:a14="http://schemas.microsoft.com/office/drawing/2010/main"/>
+                <a14:useLocalDpi xmlns:a14="http://schemas.microsoft.com/office/drawing/2010/main" val="0"/>
               </a:ext>
             </a:extLst>
           </a:blip>
-          <a:srcRect r="7476" b="392"/>
-          <a:stretch/>
+          <a:stretch>
+            <a:fillRect/>
+          </a:stretch>
         </p:blipFill>
         <p:spPr>
           <a:xfrm>
-            <a:off x="208910" y="1122364"/>
-            <a:ext cx="8099028" cy="5588448"/>
+            <a:off x="74175" y="2116476"/>
+            <a:ext cx="6968494" cy="3646149"/>
           </a:xfrm>
           <a:prstGeom prst="rect">
             <a:avLst/>
           </a:prstGeom>
         </p:spPr>
       </p:pic>
+      <p:sp>
+        <p:nvSpPr>
+          <p:cNvPr id="4" name="TextBox 3">
+            <a:extLst>
+              <a:ext uri="{FF2B5EF4-FFF2-40B4-BE49-F238E27FC236}">
+                <a16:creationId xmlns:a16="http://schemas.microsoft.com/office/drawing/2014/main" id="{CB074C89-9CBB-4B54-8BFB-EA5DE30F35DB}"/>
+              </a:ext>
+            </a:extLst>
+          </p:cNvPr>
+          <p:cNvSpPr txBox="1"/>
+          <p:nvPr/>
+        </p:nvSpPr>
+        <p:spPr>
+          <a:xfrm>
+            <a:off x="7660627" y="1669197"/>
+            <a:ext cx="3445737" cy="4093428"/>
+          </a:xfrm>
+          <a:prstGeom prst="rect">
+            <a:avLst/>
+          </a:prstGeom>
+          <a:noFill/>
+        </p:spPr>
+        <p:txBody>
+          <a:bodyPr wrap="square" rtlCol="0">
+            <a:spAutoFit/>
+          </a:bodyPr>
+          <a:lstStyle/>
+          <a:p>
+            <a:pPr algn="justLow"/>
+            <a:r>
+              <a:rPr lang="en-US" sz="2600" dirty="0"/>
+              <a:t>We notice that the demand for our services increases from the fifth month to the tenth month</a:t>
+            </a:r>
+            <a:r>
+              <a:rPr lang="ar-EG" sz="2600" dirty="0"/>
+              <a:t> </a:t>
+            </a:r>
+            <a:r>
+              <a:rPr lang="en-US" sz="2600" dirty="0"/>
+              <a:t>This may be due to people preferring to use bicycles in warmer climates and other means of transportation in colder climates.</a:t>
+            </a:r>
+          </a:p>
+        </p:txBody>
+      </p:sp>
       <p:pic>
         <p:nvPicPr>
-          <p:cNvPr id="5" name="Picture 2" descr="Google Data Analytics Capstone: Cyclistic Bike-Share Company | by khaled  laywad | Medium">
-            <a:extLst>
-              <a:ext uri="{FF2B5EF4-FFF2-40B4-BE49-F238E27FC236}">
-                <a16:creationId xmlns:a16="http://schemas.microsoft.com/office/drawing/2014/main" id="{7D026AFD-389F-4658-B2EF-73774A83EEED}"/>
+          <p:cNvPr id="8" name="Picture 2" descr="Google Data Analytics Capstone: Cyclistic Bike-Share Company | by khaled  laywad | Medium">
+            <a:extLst>
+              <a:ext uri="{FF2B5EF4-FFF2-40B4-BE49-F238E27FC236}">
+                <a16:creationId xmlns:a16="http://schemas.microsoft.com/office/drawing/2014/main" id="{2146B6DA-B8E0-43C3-83E9-26B0D2AD58BD}"/>
               </a:ext>
             </a:extLst>
           </p:cNvPr>
@@ -4704,7 +4835,7 @@
           <p:nvPr/>
         </p:nvPicPr>
         <p:blipFill>
-          <a:blip r:embed="rId3">
+          <a:blip r:embed="rId4">
             <a:extLst>
               <a:ext uri="{28A0092B-C50C-407E-A947-70E740481C1C}">
                 <a14:useLocalDpi xmlns:a14="http://schemas.microsoft.com/office/drawing/2010/main" val="0"/>
@@ -4738,10 +4869,10 @@
       </p:pic>
       <p:sp>
         <p:nvSpPr>
-          <p:cNvPr id="2" name="TextBox 1">
-            <a:extLst>
-              <a:ext uri="{FF2B5EF4-FFF2-40B4-BE49-F238E27FC236}">
-                <a16:creationId xmlns:a16="http://schemas.microsoft.com/office/drawing/2014/main" id="{A89E43F2-3F82-4A9C-A9B6-F5A29C90AF9A}"/>
+          <p:cNvPr id="6" name="TextBox 5">
+            <a:extLst>
+              <a:ext uri="{FF2B5EF4-FFF2-40B4-BE49-F238E27FC236}">
+                <a16:creationId xmlns:a16="http://schemas.microsoft.com/office/drawing/2014/main" id="{979CAB2E-A622-4E64-B4DA-1D6D904F457F}"/>
               </a:ext>
             </a:extLst>
           </p:cNvPr>
@@ -4750,8 +4881,8 @@
         </p:nvSpPr>
         <p:spPr>
           <a:xfrm>
-            <a:off x="8445358" y="1387011"/>
-            <a:ext cx="3462390" cy="4601260"/>
+            <a:off x="4172678" y="284648"/>
+            <a:ext cx="3846644" cy="1138773"/>
           </a:xfrm>
           <a:prstGeom prst="rect">
             <a:avLst/>
@@ -4764,59 +4895,44 @@
           </a:bodyPr>
           <a:lstStyle/>
           <a:p>
-            <a:pPr algn="just"/>
-            <a:r>
-              <a:rPr lang="en-US" sz="2500" dirty="0"/>
-              <a:t>We note that the most used started stations by casuals are Streeter DR &amp; Grand Ave , </a:t>
-            </a:r>
-            <a:r>
-              <a:rPr lang="en-US" sz="2500" dirty="0" err="1"/>
-              <a:t>DuSable</a:t>
-            </a:r>
-            <a:r>
-              <a:rPr lang="en-US" sz="2500" dirty="0"/>
-              <a:t> Lake Shore Dr &amp; Monroe St, Michigan Ave &amp; Oak St, </a:t>
-            </a:r>
-            <a:r>
-              <a:rPr lang="en-US" sz="2500" dirty="0" err="1"/>
-              <a:t>DuSable</a:t>
-            </a:r>
-            <a:r>
-              <a:rPr lang="en-US" sz="2500" dirty="0"/>
-              <a:t> Lake Shore Dr &amp; North Blvd, </a:t>
-            </a:r>
-            <a:r>
-              <a:rPr lang="en-US" sz="2500" dirty="0" err="1"/>
-              <a:t>Milennium</a:t>
-            </a:r>
-            <a:r>
-              <a:rPr lang="en-US" sz="2500" dirty="0"/>
-              <a:t> Park, Shedd Aquarium, Theater on the lake, </a:t>
-            </a:r>
-            <a:r>
-              <a:rPr lang="en-US" sz="2500" dirty="0" err="1"/>
-              <a:t>Dusable</a:t>
-            </a:r>
-            <a:r>
-              <a:rPr lang="en-US" sz="2500" dirty="0"/>
-              <a:t> Harbor</a:t>
-            </a:r>
-          </a:p>
-          <a:p>
-            <a:endParaRPr lang="en-US" dirty="0"/>
+            <a:r>
+              <a:rPr lang="en-US" sz="4400" b="1" i="0" dirty="0">
+                <a:solidFill>
+                  <a:srgbClr val="1F2328"/>
+                </a:solidFill>
+                <a:effectLst/>
+                <a:latin typeface="-apple-system"/>
+              </a:rPr>
+              <a:t>Visualization</a:t>
+            </a:r>
+          </a:p>
+          <a:p>
+            <a:endParaRPr lang="en-US" sz="2400" b="1" dirty="0"/>
           </a:p>
         </p:txBody>
       </p:sp>
     </p:spTree>
     <p:extLst>
       <p:ext uri="{BB962C8B-B14F-4D97-AF65-F5344CB8AC3E}">
-        <p14:creationId xmlns:p14="http://schemas.microsoft.com/office/powerpoint/2010/main" val="1145551416"/>
+        <p14:creationId xmlns:p14="http://schemas.microsoft.com/office/powerpoint/2010/main" val="1265071511"/>
       </p:ext>
     </p:extLst>
   </p:cSld>
   <p:clrMapOvr>
     <a:masterClrMapping/>
   </p:clrMapOvr>
+  <mc:AlternateContent xmlns:mc="http://schemas.openxmlformats.org/markup-compatibility/2006">
+    <mc:Choice xmlns:p159="http://schemas.microsoft.com/office/powerpoint/2015/09/main" Requires="p159">
+      <p:transition xmlns:p14="http://schemas.microsoft.com/office/powerpoint/2010/main" spd="slow" p14:dur="2000">
+        <p159:morph option="byObject"/>
+      </p:transition>
+    </mc:Choice>
+    <mc:Fallback>
+      <p:transition spd="slow">
+        <p:fade/>
+      </p:transition>
+    </mc:Fallback>
+  </mc:AlternateContent>
 </p:sld>
 </file>
 
@@ -4839,10 +4955,10 @@
       </p:grpSpPr>
       <p:sp>
         <p:nvSpPr>
-          <p:cNvPr id="2" name="TextBox 1">
-            <a:extLst>
-              <a:ext uri="{FF2B5EF4-FFF2-40B4-BE49-F238E27FC236}">
-                <a16:creationId xmlns:a16="http://schemas.microsoft.com/office/drawing/2014/main" id="{1B8C6688-6645-4E45-88BA-EE1EB486FB47}"/>
+          <p:cNvPr id="6" name="TextBox 5">
+            <a:extLst>
+              <a:ext uri="{FF2B5EF4-FFF2-40B4-BE49-F238E27FC236}">
+                <a16:creationId xmlns:a16="http://schemas.microsoft.com/office/drawing/2014/main" id="{87E6932D-8B2B-456E-A13A-38902B494AFE}"/>
               </a:ext>
             </a:extLst>
           </p:cNvPr>
@@ -4851,8 +4967,8 @@
         </p:nvSpPr>
         <p:spPr>
           <a:xfrm>
-            <a:off x="1109609" y="1152018"/>
-            <a:ext cx="9770724" cy="5539978"/>
+            <a:off x="7407667" y="1229077"/>
+            <a:ext cx="4510355" cy="4708981"/>
           </a:xfrm>
           <a:prstGeom prst="rect">
             <a:avLst/>
@@ -4867,93 +4983,80 @@
           <a:p>
             <a:pPr algn="justLow"/>
             <a:r>
-              <a:rPr lang="en-US" sz="3200" dirty="0"/>
-              <a:t>What we can conclude from the data available to us is that the best time to target casualties is during the summer and spring heat, on weekends, and also between 4 and 6 o’clock, in addition to that they often request our services for going out and exercising.</a:t>
-            </a:r>
-            <a:r>
-              <a:rPr lang="ar-EG" sz="3200" dirty="0"/>
-              <a:t> </a:t>
-            </a:r>
-            <a:r>
-              <a:rPr lang="en-US" sz="3200" dirty="0"/>
-              <a:t>Special offers in the summer and spring season</a:t>
-            </a:r>
-            <a:r>
-              <a:rPr lang="fr-FR" sz="3200" dirty="0"/>
-              <a:t>, </a:t>
-            </a:r>
-            <a:r>
-              <a:rPr lang="en-US" sz="3200" dirty="0"/>
-              <a:t>It is better to focus on these </a:t>
-            </a:r>
-            <a:r>
-              <a:rPr lang="en-US" sz="3200" dirty="0" err="1"/>
-              <a:t>stationsStreeter</a:t>
-            </a:r>
-            <a:r>
-              <a:rPr lang="en-US" sz="3200" dirty="0"/>
-              <a:t> DR &amp; Grand Ave , </a:t>
-            </a:r>
-            <a:r>
-              <a:rPr lang="en-US" sz="3200" dirty="0" err="1"/>
-              <a:t>DuSable</a:t>
-            </a:r>
-            <a:r>
-              <a:rPr lang="en-US" sz="3200" dirty="0"/>
-              <a:t> Lake Shore Dr &amp; Monroe St, Michigan Ave &amp; Oak St, </a:t>
-            </a:r>
-            <a:r>
-              <a:rPr lang="en-US" sz="3200" dirty="0" err="1"/>
-              <a:t>DuSable</a:t>
-            </a:r>
-            <a:r>
-              <a:rPr lang="en-US" sz="3200" dirty="0"/>
-              <a:t> Lake Shore Dr &amp; North Blvd, </a:t>
-            </a:r>
-            <a:r>
-              <a:rPr lang="en-US" sz="3200" dirty="0" err="1"/>
-              <a:t>Milennium</a:t>
-            </a:r>
-            <a:r>
-              <a:rPr lang="en-US" sz="3200" dirty="0"/>
-              <a:t> Park, Shedd Aquarium, Theater on the lake, </a:t>
-            </a:r>
-            <a:r>
-              <a:rPr lang="en-US" sz="3200" dirty="0" err="1"/>
-              <a:t>Dusable</a:t>
-            </a:r>
-            <a:r>
-              <a:rPr lang="en-US" sz="3200" dirty="0"/>
-              <a:t> Harbor</a:t>
-            </a:r>
-          </a:p>
-          <a:p>
-            <a:pPr algn="justLow"/>
-            <a:endParaRPr lang="en-US" sz="3400" dirty="0"/>
-          </a:p>
-        </p:txBody>
-      </p:sp>
-      <p:sp>
-        <p:nvSpPr>
-          <p:cNvPr id="14" name="TextBox 13">
-            <a:extLst>
-              <a:ext uri="{FF2B5EF4-FFF2-40B4-BE49-F238E27FC236}">
-                <a16:creationId xmlns:a16="http://schemas.microsoft.com/office/drawing/2014/main" id="{A5CEB58B-BD56-4F45-829A-A4D18A65AC23}"/>
-              </a:ext>
-            </a:extLst>
-          </p:cNvPr>
-          <p:cNvSpPr txBox="1"/>
+              <a:rPr lang="en-US" sz="2500" dirty="0"/>
+              <a:t>We notice an increase in demand between four and six in the evening, which corresponds to the end of working hours, but we also notice that they do not use it in the same proportion when going to work, which means that customers often and not only use our services to go to and from work. They may even prefer to use it for other things after leaving work, such as sports</a:t>
+            </a:r>
+          </a:p>
+        </p:txBody>
+      </p:sp>
+      <p:pic>
+        <p:nvPicPr>
+          <p:cNvPr id="10" name="Picture 2" descr="Google Data Analytics Capstone: Cyclistic Bike-Share Company | by khaled  laywad | Medium">
+            <a:extLst>
+              <a:ext uri="{FF2B5EF4-FFF2-40B4-BE49-F238E27FC236}">
+                <a16:creationId xmlns:a16="http://schemas.microsoft.com/office/drawing/2014/main" id="{28EAAB6E-3B8C-48AF-A824-E042FBF387C3}"/>
+              </a:ext>
+            </a:extLst>
+          </p:cNvPr>
+          <p:cNvPicPr>
+            <a:picLocks noChangeAspect="1" noChangeArrowheads="1"/>
+          </p:cNvPicPr>
           <p:nvPr/>
-        </p:nvSpPr>
-        <p:spPr>
-          <a:xfrm>
-            <a:off x="4841507" y="444132"/>
-            <a:ext cx="2935705" cy="707886"/>
+        </p:nvPicPr>
+        <p:blipFill>
+          <a:blip r:embed="rId3">
+            <a:extLst>
+              <a:ext uri="{28A0092B-C50C-407E-A947-70E740481C1C}">
+                <a14:useLocalDpi xmlns:a14="http://schemas.microsoft.com/office/drawing/2010/main" val="0"/>
+              </a:ext>
+            </a:extLst>
+          </a:blip>
+          <a:srcRect/>
+          <a:stretch>
+            <a:fillRect/>
+          </a:stretch>
+        </p:blipFill>
+        <p:spPr bwMode="auto">
+          <a:xfrm>
+            <a:off x="208910" y="44844"/>
+            <a:ext cx="1071937" cy="1077520"/>
           </a:xfrm>
           <a:prstGeom prst="rect">
             <a:avLst/>
           </a:prstGeom>
           <a:noFill/>
+          <a:extLst>
+            <a:ext uri="{909E8E84-426E-40DD-AFC4-6F175D3DCCD1}">
+              <a14:hiddenFill xmlns:a14="http://schemas.microsoft.com/office/drawing/2010/main">
+                <a:solidFill>
+                  <a:srgbClr val="FFFFFF"/>
+                </a:solidFill>
+              </a14:hiddenFill>
+            </a:ext>
+          </a:extLst>
+        </p:spPr>
+      </p:pic>
+      <p:sp>
+        <p:nvSpPr>
+          <p:cNvPr id="7" name="TextBox 6">
+            <a:extLst>
+              <a:ext uri="{FF2B5EF4-FFF2-40B4-BE49-F238E27FC236}">
+                <a16:creationId xmlns:a16="http://schemas.microsoft.com/office/drawing/2014/main" id="{20B7C33F-7954-4012-8165-4177DBE15D99}"/>
+              </a:ext>
+            </a:extLst>
+          </p:cNvPr>
+          <p:cNvSpPr txBox="1"/>
+          <p:nvPr/>
+        </p:nvSpPr>
+        <p:spPr>
+          <a:xfrm>
+            <a:off x="4172678" y="284648"/>
+            <a:ext cx="3846644" cy="1138773"/>
+          </a:xfrm>
+          <a:prstGeom prst="rect">
+            <a:avLst/>
+          </a:prstGeom>
+          <a:noFill/>
         </p:spPr>
         <p:txBody>
           <a:bodyPr wrap="square" rtlCol="0">
@@ -4962,30 +5065,73 @@
           <a:lstStyle/>
           <a:p>
             <a:r>
-              <a:rPr lang="en-US" sz="4000" b="1" dirty="0"/>
-              <a:t>Conclusions</a:t>
-            </a:r>
+              <a:rPr lang="en-US" sz="4400" b="1" i="0" dirty="0">
+                <a:solidFill>
+                  <a:srgbClr val="1F2328"/>
+                </a:solidFill>
+                <a:effectLst/>
+                <a:latin typeface="-apple-system"/>
+              </a:rPr>
+              <a:t>Visualization</a:t>
+            </a:r>
+          </a:p>
+          <a:p>
             <a:endParaRPr lang="en-US" sz="2400" b="1" dirty="0"/>
           </a:p>
         </p:txBody>
       </p:sp>
+      <p:pic>
+        <p:nvPicPr>
+          <p:cNvPr id="4" name="Picture 3">
+            <a:extLst>
+              <a:ext uri="{FF2B5EF4-FFF2-40B4-BE49-F238E27FC236}">
+                <a16:creationId xmlns:a16="http://schemas.microsoft.com/office/drawing/2014/main" id="{01CC5672-42CA-4C66-B211-600953786868}"/>
+              </a:ext>
+            </a:extLst>
+          </p:cNvPr>
+          <p:cNvPicPr>
+            <a:picLocks noChangeAspect="1"/>
+          </p:cNvPicPr>
+          <p:nvPr/>
+        </p:nvPicPr>
+        <p:blipFill rotWithShape="1">
+          <a:blip r:embed="rId4">
+            <a:extLst>
+              <a:ext uri="{28A0092B-C50C-407E-A947-70E740481C1C}">
+                <a14:useLocalDpi xmlns:a14="http://schemas.microsoft.com/office/drawing/2010/main" val="0"/>
+              </a:ext>
+            </a:extLst>
+          </a:blip>
+          <a:srcRect r="1291"/>
+          <a:stretch/>
+        </p:blipFill>
+        <p:spPr>
+          <a:xfrm>
+            <a:off x="72448" y="1122364"/>
+            <a:ext cx="7335220" cy="4708981"/>
+          </a:xfrm>
+          <a:prstGeom prst="rect">
+            <a:avLst/>
+          </a:prstGeom>
+        </p:spPr>
+      </p:pic>
     </p:spTree>
     <p:extLst>
       <p:ext uri="{BB962C8B-B14F-4D97-AF65-F5344CB8AC3E}">
-        <p14:creationId xmlns:p14="http://schemas.microsoft.com/office/powerpoint/2010/main" val="249755023"/>
+        <p14:creationId xmlns:p14="http://schemas.microsoft.com/office/powerpoint/2010/main" val="3733976649"/>
       </p:ext>
     </p:extLst>
   </p:cSld>
   <p:clrMapOvr>
     <a:masterClrMapping/>
   </p:clrMapOvr>
-  <mc:AlternateContent xmlns:mc="http://schemas.openxmlformats.org/markup-compatibility/2006" xmlns:p159="http://schemas.microsoft.com/office/powerpoint/2015/09/main">
-    <mc:Choice Requires="p159">
-      <p:transition xmlns:p14="http://schemas.microsoft.com/office/powerpoint/2010/main" spd="slow" p14:dur="1500">
+  <mc:AlternateContent xmlns:mc="http://schemas.openxmlformats.org/markup-compatibility/2006">
+    <mc:Choice xmlns:p159="http://schemas.microsoft.com/office/powerpoint/2015/09/main" Requires="p159">
+      <p:transition xmlns:p14="http://schemas.microsoft.com/office/powerpoint/2010/main" spd="slow" p14:dur="2000">
         <p159:morph option="byObject"/>
       </p:transition>
     </mc:Choice>
-    <mc:Fallback xmlns="">
+    <mc:Fallback>
       <p:transition spd="slow">
         <p:fade/>
       </p:transition>
@@ -5011,52 +5157,59 @@
           <a:chExt cx="0" cy="0"/>
         </a:xfrm>
       </p:grpSpPr>
-      <p:sp>
-        <p:nvSpPr>
-          <p:cNvPr id="2" name="TextBox 1">
-            <a:extLst>
-              <a:ext uri="{FF2B5EF4-FFF2-40B4-BE49-F238E27FC236}">
-                <a16:creationId xmlns:a16="http://schemas.microsoft.com/office/drawing/2014/main" id="{1B8C6688-6645-4E45-88BA-EE1EB486FB47}"/>
-              </a:ext>
-            </a:extLst>
-          </p:cNvPr>
-          <p:cNvSpPr txBox="1"/>
+      <p:pic>
+        <p:nvPicPr>
+          <p:cNvPr id="5" name="Picture 2" descr="Google Data Analytics Capstone: Cyclistic Bike-Share Company | by khaled  laywad | Medium">
+            <a:extLst>
+              <a:ext uri="{FF2B5EF4-FFF2-40B4-BE49-F238E27FC236}">
+                <a16:creationId xmlns:a16="http://schemas.microsoft.com/office/drawing/2014/main" id="{7D026AFD-389F-4658-B2EF-73774A83EEED}"/>
+              </a:ext>
+            </a:extLst>
+          </p:cNvPr>
+          <p:cNvPicPr>
+            <a:picLocks noChangeAspect="1" noChangeArrowheads="1"/>
+          </p:cNvPicPr>
           <p:nvPr/>
-        </p:nvSpPr>
-        <p:spPr>
-          <a:xfrm>
-            <a:off x="1109609" y="2198669"/>
-            <a:ext cx="9770724" cy="3262432"/>
+        </p:nvPicPr>
+        <p:blipFill>
+          <a:blip r:embed="rId3">
+            <a:extLst>
+              <a:ext uri="{28A0092B-C50C-407E-A947-70E740481C1C}">
+                <a14:useLocalDpi xmlns:a14="http://schemas.microsoft.com/office/drawing/2010/main" val="0"/>
+              </a:ext>
+            </a:extLst>
+          </a:blip>
+          <a:srcRect/>
+          <a:stretch>
+            <a:fillRect/>
+          </a:stretch>
+        </p:blipFill>
+        <p:spPr bwMode="auto">
+          <a:xfrm>
+            <a:off x="208910" y="44844"/>
+            <a:ext cx="1071937" cy="1077520"/>
           </a:xfrm>
           <a:prstGeom prst="rect">
             <a:avLst/>
           </a:prstGeom>
           <a:noFill/>
-        </p:spPr>
-        <p:txBody>
-          <a:bodyPr wrap="square" rtlCol="0">
-            <a:spAutoFit/>
-          </a:bodyPr>
-          <a:lstStyle/>
-          <a:p>
-            <a:pPr algn="justLow"/>
-            <a:r>
-              <a:rPr lang="en-US" sz="3600" dirty="0"/>
-              <a:t>for better results </a:t>
-            </a:r>
-            <a:r>
-              <a:rPr lang="en-US" sz="3400" dirty="0"/>
-              <a:t>I suggest that we start collecting data on the ages of users because this will help us target them with ads. In addition, if they are young, they may not have enough money to engage and frequently use our services, so we will offer them special offers.</a:t>
-            </a:r>
-          </a:p>
-        </p:txBody>
-      </p:sp>
-      <p:sp>
-        <p:nvSpPr>
-          <p:cNvPr id="12" name="TextBox 11">
-            <a:extLst>
-              <a:ext uri="{FF2B5EF4-FFF2-40B4-BE49-F238E27FC236}">
-                <a16:creationId xmlns:a16="http://schemas.microsoft.com/office/drawing/2014/main" id="{724AEFCE-6A1F-4979-B39F-AEDFC931A46F}"/>
+          <a:extLst>
+            <a:ext uri="{909E8E84-426E-40DD-AFC4-6F175D3DCCD1}">
+              <a14:hiddenFill xmlns:a14="http://schemas.microsoft.com/office/drawing/2010/main">
+                <a:solidFill>
+                  <a:srgbClr val="FFFFFF"/>
+                </a:solidFill>
+              </a14:hiddenFill>
+            </a:ext>
+          </a:extLst>
+        </p:spPr>
+      </p:pic>
+      <p:sp>
+        <p:nvSpPr>
+          <p:cNvPr id="2" name="TextBox 1">
+            <a:extLst>
+              <a:ext uri="{FF2B5EF4-FFF2-40B4-BE49-F238E27FC236}">
+                <a16:creationId xmlns:a16="http://schemas.microsoft.com/office/drawing/2014/main" id="{A89E43F2-3F82-4A9C-A9B6-F5A29C90AF9A}"/>
               </a:ext>
             </a:extLst>
           </p:cNvPr>
@@ -5065,8 +5218,8 @@
         </p:nvSpPr>
         <p:spPr>
           <a:xfrm>
-            <a:off x="4608653" y="412115"/>
-            <a:ext cx="2772635" cy="707886"/>
+            <a:off x="8445358" y="1387011"/>
+            <a:ext cx="3462390" cy="4601260"/>
           </a:xfrm>
           <a:prstGeom prst="rect">
             <a:avLst/>
@@ -5079,11 +5232,476 @@
           </a:bodyPr>
           <a:lstStyle/>
           <a:p>
-            <a:r>
-              <a:rPr lang="en-US" sz="4000" b="1" dirty="0"/>
+            <a:pPr algn="just"/>
+            <a:r>
+              <a:rPr lang="en-US" sz="2500" dirty="0"/>
+              <a:t>We note that the most used started stations by casuals are Streeter DR &amp; Grand Ave , </a:t>
+            </a:r>
+            <a:r>
+              <a:rPr lang="en-US" sz="2500" dirty="0" err="1"/>
+              <a:t>DuSable</a:t>
+            </a:r>
+            <a:r>
+              <a:rPr lang="en-US" sz="2500" dirty="0"/>
+              <a:t> Lake Shore Dr &amp; Monroe St, Michigan Ave &amp; Oak St, </a:t>
+            </a:r>
+            <a:r>
+              <a:rPr lang="en-US" sz="2500" dirty="0" err="1"/>
+              <a:t>DuSable</a:t>
+            </a:r>
+            <a:r>
+              <a:rPr lang="en-US" sz="2500" dirty="0"/>
+              <a:t> Lake Shore Dr &amp; North Blvd, </a:t>
+            </a:r>
+            <a:r>
+              <a:rPr lang="en-US" sz="2500" dirty="0" err="1"/>
+              <a:t>Milennium</a:t>
+            </a:r>
+            <a:r>
+              <a:rPr lang="en-US" sz="2500" dirty="0"/>
+              <a:t> Park, Shedd Aquarium, Theater on the lake, </a:t>
+            </a:r>
+            <a:r>
+              <a:rPr lang="en-US" sz="2500" dirty="0" err="1"/>
+              <a:t>Dusable</a:t>
+            </a:r>
+            <a:r>
+              <a:rPr lang="en-US" sz="2500" dirty="0"/>
+              <a:t> Harbor</a:t>
+            </a:r>
+          </a:p>
+          <a:p>
+            <a:endParaRPr lang="en-US" dirty="0"/>
+          </a:p>
+        </p:txBody>
+      </p:sp>
+      <p:sp>
+        <p:nvSpPr>
+          <p:cNvPr id="8" name="TextBox 7">
+            <a:extLst>
+              <a:ext uri="{FF2B5EF4-FFF2-40B4-BE49-F238E27FC236}">
+                <a16:creationId xmlns:a16="http://schemas.microsoft.com/office/drawing/2014/main" id="{235D9762-6962-4CEF-8170-0EC81AD9CE4C}"/>
+              </a:ext>
+            </a:extLst>
+          </p:cNvPr>
+          <p:cNvSpPr txBox="1"/>
+          <p:nvPr/>
+        </p:nvSpPr>
+        <p:spPr>
+          <a:xfrm>
+            <a:off x="4172678" y="284648"/>
+            <a:ext cx="3846644" cy="1138773"/>
+          </a:xfrm>
+          <a:prstGeom prst="rect">
+            <a:avLst/>
+          </a:prstGeom>
+          <a:noFill/>
+        </p:spPr>
+        <p:txBody>
+          <a:bodyPr wrap="square" rtlCol="0">
+            <a:spAutoFit/>
+          </a:bodyPr>
+          <a:lstStyle/>
+          <a:p>
+            <a:r>
+              <a:rPr lang="en-US" sz="4400" b="1" i="0" dirty="0">
+                <a:solidFill>
+                  <a:srgbClr val="1F2328"/>
+                </a:solidFill>
+                <a:effectLst/>
+                <a:latin typeface="-apple-system"/>
+              </a:rPr>
+              <a:t>Visualization</a:t>
+            </a:r>
+          </a:p>
+          <a:p>
+            <a:endParaRPr lang="en-US" sz="2400" b="1" dirty="0"/>
+          </a:p>
+        </p:txBody>
+      </p:sp>
+      <p:pic>
+        <p:nvPicPr>
+          <p:cNvPr id="12" name="Picture 11">
+            <a:extLst>
+              <a:ext uri="{FF2B5EF4-FFF2-40B4-BE49-F238E27FC236}">
+                <a16:creationId xmlns:a16="http://schemas.microsoft.com/office/drawing/2014/main" id="{9365DD1C-5B45-4DE6-8A74-FCB0DEADA646}"/>
+              </a:ext>
+            </a:extLst>
+          </p:cNvPr>
+          <p:cNvPicPr>
+            <a:picLocks noChangeAspect="1"/>
+          </p:cNvPicPr>
+          <p:nvPr/>
+        </p:nvPicPr>
+        <p:blipFill rotWithShape="1">
+          <a:blip r:embed="rId4">
+            <a:extLst>
+              <a:ext uri="{28A0092B-C50C-407E-A947-70E740481C1C}">
+                <a14:useLocalDpi xmlns:a14="http://schemas.microsoft.com/office/drawing/2010/main" val="0"/>
+              </a:ext>
+            </a:extLst>
+          </a:blip>
+          <a:srcRect l="-144" r="5377" b="632"/>
+          <a:stretch/>
+        </p:blipFill>
+        <p:spPr>
+          <a:xfrm>
+            <a:off x="71920" y="1122364"/>
+            <a:ext cx="8373438" cy="5416549"/>
+          </a:xfrm>
+          <a:prstGeom prst="rect">
+            <a:avLst/>
+          </a:prstGeom>
+        </p:spPr>
+      </p:pic>
+      <p:sp>
+        <p:nvSpPr>
+          <p:cNvPr id="13" name="TextBox 12">
+            <a:extLst>
+              <a:ext uri="{FF2B5EF4-FFF2-40B4-BE49-F238E27FC236}">
+                <a16:creationId xmlns:a16="http://schemas.microsoft.com/office/drawing/2014/main" id="{3F2D1AD8-F210-4C86-9B7A-7D26D2567B47}"/>
+              </a:ext>
+            </a:extLst>
+          </p:cNvPr>
+          <p:cNvSpPr txBox="1"/>
+          <p:nvPr/>
+        </p:nvSpPr>
+        <p:spPr>
+          <a:xfrm>
+            <a:off x="3530145" y="10993705"/>
+            <a:ext cx="3846644" cy="1138773"/>
+          </a:xfrm>
+          <a:prstGeom prst="rect">
+            <a:avLst/>
+          </a:prstGeom>
+          <a:noFill/>
+        </p:spPr>
+        <p:txBody>
+          <a:bodyPr wrap="square" rtlCol="0">
+            <a:spAutoFit/>
+          </a:bodyPr>
+          <a:lstStyle/>
+          <a:p>
+            <a:r>
+              <a:rPr lang="en-US" sz="4400" b="1" i="0" dirty="0">
+                <a:solidFill>
+                  <a:srgbClr val="1F2328"/>
+                </a:solidFill>
+                <a:effectLst/>
+                <a:latin typeface="-apple-system"/>
+              </a:rPr>
+              <a:t>Visualization</a:t>
+            </a:r>
+          </a:p>
+          <a:p>
+            <a:endParaRPr lang="en-US" sz="2400" b="1" dirty="0"/>
+          </a:p>
+        </p:txBody>
+      </p:sp>
+    </p:spTree>
+    <p:extLst>
+      <p:ext uri="{BB962C8B-B14F-4D97-AF65-F5344CB8AC3E}">
+        <p14:creationId xmlns:p14="http://schemas.microsoft.com/office/powerpoint/2010/main" val="1145551416"/>
+      </p:ext>
+    </p:extLst>
+  </p:cSld>
+  <p:clrMapOvr>
+    <a:masterClrMapping/>
+  </p:clrMapOvr>
+  <mc:AlternateContent xmlns:mc="http://schemas.openxmlformats.org/markup-compatibility/2006">
+    <mc:Choice xmlns:p159="http://schemas.microsoft.com/office/powerpoint/2015/09/main" Requires="p159">
+      <p:transition xmlns:p14="http://schemas.microsoft.com/office/powerpoint/2010/main" spd="slow" p14:dur="2000">
+        <p159:morph option="byObject"/>
+      </p:transition>
+    </mc:Choice>
+    <mc:Fallback>
+      <p:transition spd="slow">
+        <p:fade/>
+      </p:transition>
+    </mc:Fallback>
+  </mc:AlternateContent>
+</p:sld>
+</file>
+
+<file path=ppt/slides/slide13.xml><?xml version="1.0" encoding="utf-8"?>
+<p:sld xmlns:a="http://schemas.openxmlformats.org/drawingml/2006/main" xmlns:r="http://schemas.openxmlformats.org/officeDocument/2006/relationships" xmlns:p="http://schemas.openxmlformats.org/presentationml/2006/main">
+  <p:cSld>
+    <p:spTree>
+      <p:nvGrpSpPr>
+        <p:cNvPr id="1" name=""/>
+        <p:cNvGrpSpPr/>
+        <p:nvPr/>
+      </p:nvGrpSpPr>
+      <p:grpSpPr>
+        <a:xfrm>
+          <a:off x="0" y="0"/>
+          <a:ext cx="0" cy="0"/>
+          <a:chOff x="0" y="0"/>
+          <a:chExt cx="0" cy="0"/>
+        </a:xfrm>
+      </p:grpSpPr>
+      <p:sp>
+        <p:nvSpPr>
+          <p:cNvPr id="2" name="TextBox 1">
+            <a:extLst>
+              <a:ext uri="{FF2B5EF4-FFF2-40B4-BE49-F238E27FC236}">
+                <a16:creationId xmlns:a16="http://schemas.microsoft.com/office/drawing/2014/main" id="{1B8C6688-6645-4E45-88BA-EE1EB486FB47}"/>
+              </a:ext>
+            </a:extLst>
+          </p:cNvPr>
+          <p:cNvSpPr txBox="1"/>
+          <p:nvPr/>
+        </p:nvSpPr>
+        <p:spPr>
+          <a:xfrm>
+            <a:off x="1109609" y="1152018"/>
+            <a:ext cx="9770724" cy="5539978"/>
+          </a:xfrm>
+          <a:prstGeom prst="rect">
+            <a:avLst/>
+          </a:prstGeom>
+          <a:noFill/>
+        </p:spPr>
+        <p:txBody>
+          <a:bodyPr wrap="square" rtlCol="0">
+            <a:spAutoFit/>
+          </a:bodyPr>
+          <a:lstStyle/>
+          <a:p>
+            <a:pPr algn="justLow"/>
+            <a:r>
+              <a:rPr lang="en-US" sz="3200" dirty="0"/>
+              <a:t>What we can conclude from the data available to us is that the best time to target casualties is during the summer and spring heat, on weekends, and also between 4 and 6 o’clock, in addition to that they often request our services for going out and exercising.</a:t>
+            </a:r>
+            <a:r>
+              <a:rPr lang="ar-EG" sz="3200" dirty="0"/>
+              <a:t> </a:t>
+            </a:r>
+            <a:r>
+              <a:rPr lang="en-US" sz="3200" dirty="0"/>
+              <a:t>Special offers in the summer and spring season</a:t>
+            </a:r>
+            <a:r>
+              <a:rPr lang="fr-FR" sz="3200" dirty="0"/>
+              <a:t>, </a:t>
+            </a:r>
+            <a:r>
+              <a:rPr lang="en-US" sz="3200" dirty="0"/>
+              <a:t>It is better to focus on these stations Streeter DR &amp; Grand Ave , </a:t>
+            </a:r>
+            <a:r>
+              <a:rPr lang="en-US" sz="3200" dirty="0" err="1"/>
+              <a:t>DuSable</a:t>
+            </a:r>
+            <a:r>
+              <a:rPr lang="en-US" sz="3200" dirty="0"/>
+              <a:t> Lake Shore Dr &amp; Monroe St, Michigan Ave &amp; Oak St, </a:t>
+            </a:r>
+            <a:r>
+              <a:rPr lang="en-US" sz="3200" dirty="0" err="1"/>
+              <a:t>DuSable</a:t>
+            </a:r>
+            <a:r>
+              <a:rPr lang="en-US" sz="3200" dirty="0"/>
+              <a:t> Lake Shore Dr &amp; North Blvd, </a:t>
+            </a:r>
+            <a:r>
+              <a:rPr lang="en-US" sz="3200" dirty="0" err="1"/>
+              <a:t>Milennium</a:t>
+            </a:r>
+            <a:r>
+              <a:rPr lang="en-US" sz="3200" dirty="0"/>
+              <a:t> Park, Shedd Aquarium, Theater on the lake, </a:t>
+            </a:r>
+            <a:r>
+              <a:rPr lang="en-US" sz="3200" dirty="0" err="1"/>
+              <a:t>Dusable</a:t>
+            </a:r>
+            <a:r>
+              <a:rPr lang="en-US" sz="3200" dirty="0"/>
+              <a:t> Harbor</a:t>
+            </a:r>
+          </a:p>
+          <a:p>
+            <a:pPr algn="justLow"/>
+            <a:endParaRPr lang="en-US" sz="3400" dirty="0"/>
+          </a:p>
+        </p:txBody>
+      </p:sp>
+      <p:sp>
+        <p:nvSpPr>
+          <p:cNvPr id="7" name="TextBox 6">
+            <a:extLst>
+              <a:ext uri="{FF2B5EF4-FFF2-40B4-BE49-F238E27FC236}">
+                <a16:creationId xmlns:a16="http://schemas.microsoft.com/office/drawing/2014/main" id="{B7F2CF67-0B7C-4CAF-AE13-D142D4589216}"/>
+              </a:ext>
+            </a:extLst>
+          </p:cNvPr>
+          <p:cNvSpPr txBox="1"/>
+          <p:nvPr/>
+        </p:nvSpPr>
+        <p:spPr>
+          <a:xfrm>
+            <a:off x="4172678" y="284648"/>
+            <a:ext cx="3846644" cy="1815882"/>
+          </a:xfrm>
+          <a:prstGeom prst="rect">
+            <a:avLst/>
+          </a:prstGeom>
+          <a:noFill/>
+        </p:spPr>
+        <p:txBody>
+          <a:bodyPr wrap="square" rtlCol="0">
+            <a:spAutoFit/>
+          </a:bodyPr>
+          <a:lstStyle/>
+          <a:p>
+            <a:r>
+              <a:rPr lang="fr-FR" sz="4400" b="1" dirty="0">
+                <a:solidFill>
+                  <a:srgbClr val="1F2328"/>
+                </a:solidFill>
+                <a:latin typeface="-apple-system"/>
+              </a:rPr>
+              <a:t>Conclusions</a:t>
+            </a:r>
+            <a:endParaRPr lang="en-US" sz="4400" b="1" i="0" dirty="0">
+              <a:solidFill>
+                <a:srgbClr val="1F2328"/>
+              </a:solidFill>
+              <a:effectLst/>
+              <a:latin typeface="-apple-system"/>
+            </a:endParaRPr>
+          </a:p>
+          <a:p>
+            <a:endParaRPr lang="en-US" sz="4400" b="1" i="0" dirty="0">
+              <a:solidFill>
+                <a:srgbClr val="1F2328"/>
+              </a:solidFill>
+              <a:effectLst/>
+              <a:latin typeface="-apple-system"/>
+            </a:endParaRPr>
+          </a:p>
+          <a:p>
+            <a:endParaRPr lang="en-US" sz="2400" b="1" dirty="0"/>
+          </a:p>
+        </p:txBody>
+      </p:sp>
+    </p:spTree>
+    <p:extLst>
+      <p:ext uri="{BB962C8B-B14F-4D97-AF65-F5344CB8AC3E}">
+        <p14:creationId xmlns:p14="http://schemas.microsoft.com/office/powerpoint/2010/main" val="249755023"/>
+      </p:ext>
+    </p:extLst>
+  </p:cSld>
+  <p:clrMapOvr>
+    <a:masterClrMapping/>
+  </p:clrMapOvr>
+  <mc:AlternateContent xmlns:mc="http://schemas.openxmlformats.org/markup-compatibility/2006">
+    <mc:Choice xmlns:p159="http://schemas.microsoft.com/office/powerpoint/2015/09/main" Requires="p159">
+      <p:transition xmlns:p14="http://schemas.microsoft.com/office/powerpoint/2010/main" spd="slow" p14:dur="2000">
+        <p159:morph option="byObject"/>
+      </p:transition>
+    </mc:Choice>
+    <mc:Fallback>
+      <p:transition spd="slow">
+        <p:fade/>
+      </p:transition>
+    </mc:Fallback>
+  </mc:AlternateContent>
+</p:sld>
+</file>
+
+<file path=ppt/slides/slide14.xml><?xml version="1.0" encoding="utf-8"?>
+<p:sld xmlns:a="http://schemas.openxmlformats.org/drawingml/2006/main" xmlns:r="http://schemas.openxmlformats.org/officeDocument/2006/relationships" xmlns:p="http://schemas.openxmlformats.org/presentationml/2006/main">
+  <p:cSld>
+    <p:spTree>
+      <p:nvGrpSpPr>
+        <p:cNvPr id="1" name=""/>
+        <p:cNvGrpSpPr/>
+        <p:nvPr/>
+      </p:nvGrpSpPr>
+      <p:grpSpPr>
+        <a:xfrm>
+          <a:off x="0" y="0"/>
+          <a:ext cx="0" cy="0"/>
+          <a:chOff x="0" y="0"/>
+          <a:chExt cx="0" cy="0"/>
+        </a:xfrm>
+      </p:grpSpPr>
+      <p:sp>
+        <p:nvSpPr>
+          <p:cNvPr id="2" name="TextBox 1">
+            <a:extLst>
+              <a:ext uri="{FF2B5EF4-FFF2-40B4-BE49-F238E27FC236}">
+                <a16:creationId xmlns:a16="http://schemas.microsoft.com/office/drawing/2014/main" id="{1B8C6688-6645-4E45-88BA-EE1EB486FB47}"/>
+              </a:ext>
+            </a:extLst>
+          </p:cNvPr>
+          <p:cNvSpPr txBox="1"/>
+          <p:nvPr/>
+        </p:nvSpPr>
+        <p:spPr>
+          <a:xfrm>
+            <a:off x="1210638" y="1429228"/>
+            <a:ext cx="9770724" cy="3262432"/>
+          </a:xfrm>
+          <a:prstGeom prst="rect">
+            <a:avLst/>
+          </a:prstGeom>
+          <a:noFill/>
+        </p:spPr>
+        <p:txBody>
+          <a:bodyPr wrap="square" rtlCol="0">
+            <a:spAutoFit/>
+          </a:bodyPr>
+          <a:lstStyle/>
+          <a:p>
+            <a:pPr algn="justLow"/>
+            <a:r>
+              <a:rPr lang="en-US" sz="3600" dirty="0"/>
+              <a:t>for better results </a:t>
+            </a:r>
+            <a:r>
+              <a:rPr lang="en-US" sz="3400" dirty="0"/>
+              <a:t>I suggest that we start collecting data on the ages of users because this will help us target them with ads. In addition, if they are young, they may not have enough money to engage and frequently use our services, so we will offer them special offers.</a:t>
+            </a:r>
+          </a:p>
+        </p:txBody>
+      </p:sp>
+      <p:sp>
+        <p:nvSpPr>
+          <p:cNvPr id="7" name="TextBox 6">
+            <a:extLst>
+              <a:ext uri="{FF2B5EF4-FFF2-40B4-BE49-F238E27FC236}">
+                <a16:creationId xmlns:a16="http://schemas.microsoft.com/office/drawing/2014/main" id="{8156F6A2-6263-4ED3-9A29-ADBD7DDA52CD}"/>
+              </a:ext>
+            </a:extLst>
+          </p:cNvPr>
+          <p:cNvSpPr txBox="1"/>
+          <p:nvPr/>
+        </p:nvSpPr>
+        <p:spPr>
+          <a:xfrm>
+            <a:off x="4172678" y="284648"/>
+            <a:ext cx="3846644" cy="769441"/>
+          </a:xfrm>
+          <a:prstGeom prst="rect">
+            <a:avLst/>
+          </a:prstGeom>
+          <a:noFill/>
+        </p:spPr>
+        <p:txBody>
+          <a:bodyPr wrap="square" rtlCol="0">
+            <a:spAutoFit/>
+          </a:bodyPr>
+          <a:lstStyle/>
+          <a:p>
+            <a:r>
+              <a:rPr lang="en-US" sz="4400" b="1" dirty="0"/>
               <a:t>Suggestions</a:t>
             </a:r>
-            <a:endParaRPr lang="en-US" sz="3600" b="1" dirty="0"/>
+            <a:endParaRPr lang="en-US" sz="4000" b="1" dirty="0"/>
           </a:p>
         </p:txBody>
       </p:sp>
@@ -5097,13 +5715,13 @@
   <p:clrMapOvr>
     <a:masterClrMapping/>
   </p:clrMapOvr>
-  <mc:AlternateContent xmlns:mc="http://schemas.openxmlformats.org/markup-compatibility/2006" xmlns:p159="http://schemas.microsoft.com/office/powerpoint/2015/09/main">
-    <mc:Choice Requires="p159">
-      <p:transition xmlns:p14="http://schemas.microsoft.com/office/powerpoint/2010/main" spd="slow" p14:dur="1500">
+  <mc:AlternateContent xmlns:mc="http://schemas.openxmlformats.org/markup-compatibility/2006">
+    <mc:Choice xmlns:p159="http://schemas.microsoft.com/office/powerpoint/2015/09/main" Requires="p159">
+      <p:transition xmlns:p14="http://schemas.microsoft.com/office/powerpoint/2010/main" spd="slow" p14:dur="2000">
         <p159:morph option="byObject"/>
       </p:transition>
     </mc:Choice>
-    <mc:Fallback xmlns="">
+    <mc:Fallback>
       <p:transition spd="slow">
         <p:fade/>
       </p:transition>
@@ -5134,7 +5752,7 @@
           <p:cNvPr id="2" name="Title 1">
             <a:extLst>
               <a:ext uri="{FF2B5EF4-FFF2-40B4-BE49-F238E27FC236}">
-                <a16:creationId xmlns:a16="http://schemas.microsoft.com/office/drawing/2014/main" id="{7EB0B688-B1E6-4CAC-9217-6AE0D8690935}"/>
+                <a16:creationId xmlns:a16="http://schemas.microsoft.com/office/drawing/2014/main" id="{801B907E-0078-4410-9F01-CB90C401B94D}"/>
               </a:ext>
             </a:extLst>
           </p:cNvPr>
@@ -5147,25 +5765,21 @@
         </p:nvSpPr>
         <p:spPr>
           <a:xfrm>
-            <a:off x="838200" y="1669943"/>
-            <a:ext cx="2089935" cy="1325563"/>
+            <a:off x="4191856" y="365125"/>
+            <a:ext cx="3873357" cy="1325563"/>
           </a:xfrm>
         </p:spPr>
         <p:txBody>
           <a:bodyPr>
-            <a:normAutofit/>
+            <a:normAutofit fontScale="90000"/>
           </a:bodyPr>
           <a:lstStyle/>
           <a:p>
             <a:r>
-              <a:rPr lang="en-US" sz="5400" dirty="0">
-                <a:latin typeface="Calibri (Body)"/>
-              </a:rPr>
-              <a:t>target</a:t>
-            </a:r>
-            <a:endParaRPr lang="en-US" sz="6000" dirty="0">
-              <a:latin typeface="Calibri (Body)"/>
-            </a:endParaRPr>
+              <a:rPr lang="fr-FR" sz="6000" b="1" dirty="0"/>
+              <a:t>introduction</a:t>
+            </a:r>
+            <a:endParaRPr lang="en-US" b="1" dirty="0"/>
           </a:p>
         </p:txBody>
       </p:sp>
@@ -5174,7 +5788,7 @@
           <p:cNvPr id="3" name="Content Placeholder 2">
             <a:extLst>
               <a:ext uri="{FF2B5EF4-FFF2-40B4-BE49-F238E27FC236}">
-                <a16:creationId xmlns:a16="http://schemas.microsoft.com/office/drawing/2014/main" id="{7AB33282-F6BE-472B-A8CF-5E90C3AAF028}"/>
+                <a16:creationId xmlns:a16="http://schemas.microsoft.com/office/drawing/2014/main" id="{162FFE6A-FEE4-4360-A8F1-9F07727505BF}"/>
               </a:ext>
             </a:extLst>
           </p:cNvPr>
@@ -5187,189 +5801,36 @@
         </p:nvSpPr>
         <p:spPr>
           <a:xfrm>
-            <a:off x="838198" y="3503488"/>
-            <a:ext cx="10114053" cy="2576530"/>
+            <a:off x="1400281" y="1825625"/>
+            <a:ext cx="9456506" cy="4351338"/>
           </a:xfrm>
         </p:spPr>
         <p:txBody>
           <a:bodyPr>
-            <a:normAutofit/>
+            <a:normAutofit lnSpcReduction="10000"/>
           </a:bodyPr>
           <a:lstStyle/>
           <a:p>
-            <a:pPr marL="0" indent="0" algn="ctr">
+            <a:pPr marL="0" indent="0" algn="just">
               <a:buNone/>
             </a:pPr>
             <a:r>
-              <a:rPr lang="en-US" sz="4400" dirty="0"/>
-              <a:t>The goal to be achieved is how to transfer</a:t>
-            </a:r>
-            <a:endParaRPr lang="en-US" sz="4400" dirty="0">
-              <a:solidFill>
-                <a:srgbClr val="FF0000"/>
-              </a:solidFill>
-            </a:endParaRPr>
-          </a:p>
-        </p:txBody>
-      </p:sp>
-      <p:sp>
-        <p:nvSpPr>
-          <p:cNvPr id="4" name="TextBox 3">
-            <a:extLst>
-              <a:ext uri="{FF2B5EF4-FFF2-40B4-BE49-F238E27FC236}">
-                <a16:creationId xmlns:a16="http://schemas.microsoft.com/office/drawing/2014/main" id="{A0228162-FB41-4FE6-B89C-D5146F34771F}"/>
-              </a:ext>
-            </a:extLst>
-          </p:cNvPr>
-          <p:cNvSpPr txBox="1"/>
-          <p:nvPr/>
-        </p:nvSpPr>
-        <p:spPr>
-          <a:xfrm>
-            <a:off x="6756390" y="4036344"/>
-            <a:ext cx="2458090" cy="769441"/>
-          </a:xfrm>
-          <a:prstGeom prst="rect">
-            <a:avLst/>
-          </a:prstGeom>
-          <a:noFill/>
-        </p:spPr>
-        <p:txBody>
-          <a:bodyPr wrap="square" rtlCol="0">
-            <a:spAutoFit/>
-          </a:bodyPr>
-          <a:lstStyle/>
-          <a:p>
-            <a:r>
-              <a:rPr lang="en-US" sz="4400" dirty="0">
-                <a:solidFill>
-                  <a:srgbClr val="FF0000"/>
-                </a:solidFill>
-              </a:rPr>
-              <a:t>members</a:t>
-            </a:r>
-            <a:endParaRPr lang="en-US" dirty="0"/>
-          </a:p>
-        </p:txBody>
-      </p:sp>
-      <p:sp>
-        <p:nvSpPr>
-          <p:cNvPr id="5" name="TextBox 4">
-            <a:extLst>
-              <a:ext uri="{FF2B5EF4-FFF2-40B4-BE49-F238E27FC236}">
-                <a16:creationId xmlns:a16="http://schemas.microsoft.com/office/drawing/2014/main" id="{9BF7FC12-003F-4A96-80A2-170233985D07}"/>
-              </a:ext>
-            </a:extLst>
-          </p:cNvPr>
-          <p:cNvSpPr txBox="1"/>
-          <p:nvPr/>
-        </p:nvSpPr>
-        <p:spPr>
-          <a:xfrm>
-            <a:off x="3105150" y="4036344"/>
-            <a:ext cx="2844800" cy="769441"/>
-          </a:xfrm>
-          <a:prstGeom prst="rect">
-            <a:avLst/>
-          </a:prstGeom>
-          <a:noFill/>
-        </p:spPr>
-        <p:txBody>
-          <a:bodyPr wrap="square" rtlCol="0">
-            <a:spAutoFit/>
-          </a:bodyPr>
-          <a:lstStyle/>
-          <a:p>
-            <a:r>
-              <a:rPr lang="en-US" sz="4400" dirty="0">
-                <a:solidFill>
-                  <a:srgbClr val="0070C0"/>
-                </a:solidFill>
-              </a:rPr>
-              <a:t>       casuals</a:t>
-            </a:r>
-            <a:endParaRPr lang="en-US" sz="4400" dirty="0"/>
-          </a:p>
-        </p:txBody>
-      </p:sp>
-      <p:sp>
-        <p:nvSpPr>
-          <p:cNvPr id="8" name="TextBox 7">
-            <a:extLst>
-              <a:ext uri="{FF2B5EF4-FFF2-40B4-BE49-F238E27FC236}">
-                <a16:creationId xmlns:a16="http://schemas.microsoft.com/office/drawing/2014/main" id="{ED352FCA-B369-4326-9C7D-D76BD5893DBE}"/>
-              </a:ext>
-            </a:extLst>
-          </p:cNvPr>
-          <p:cNvSpPr txBox="1"/>
-          <p:nvPr/>
-        </p:nvSpPr>
-        <p:spPr>
-          <a:xfrm>
-            <a:off x="5727700" y="4036343"/>
-            <a:ext cx="1143000" cy="769441"/>
-          </a:xfrm>
-          <a:prstGeom prst="rect">
-            <a:avLst/>
-          </a:prstGeom>
-          <a:noFill/>
-        </p:spPr>
-        <p:txBody>
-          <a:bodyPr wrap="square" rtlCol="0">
-            <a:spAutoFit/>
-          </a:bodyPr>
-          <a:lstStyle/>
-          <a:p>
-            <a:r>
-              <a:rPr lang="fr-FR" sz="4400" dirty="0" err="1"/>
-              <a:t>into</a:t>
-            </a:r>
-            <a:endParaRPr lang="en-US" dirty="0"/>
-          </a:p>
-        </p:txBody>
-      </p:sp>
-      <p:sp>
-        <p:nvSpPr>
-          <p:cNvPr id="9" name="TextBox 8">
-            <a:extLst>
-              <a:ext uri="{FF2B5EF4-FFF2-40B4-BE49-F238E27FC236}">
-                <a16:creationId xmlns:a16="http://schemas.microsoft.com/office/drawing/2014/main" id="{2FA7379C-8CF8-4C12-8D7F-8F8599437723}"/>
-              </a:ext>
-            </a:extLst>
-          </p:cNvPr>
-          <p:cNvSpPr txBox="1"/>
-          <p:nvPr/>
-        </p:nvSpPr>
-        <p:spPr>
-          <a:xfrm>
-            <a:off x="3173841" y="4040543"/>
-            <a:ext cx="1132429" cy="769441"/>
-          </a:xfrm>
-          <a:prstGeom prst="rect">
-            <a:avLst/>
-          </a:prstGeom>
-          <a:noFill/>
-        </p:spPr>
-        <p:txBody>
-          <a:bodyPr wrap="square" rtlCol="0">
-            <a:spAutoFit/>
-          </a:bodyPr>
-          <a:lstStyle/>
-          <a:p>
-            <a:r>
-              <a:rPr lang="fr-FR" sz="4400" dirty="0"/>
-              <a:t>the</a:t>
-            </a:r>
-            <a:endParaRPr lang="en-US" sz="4400" dirty="0"/>
+              <a:rPr lang="en-US" sz="4000" dirty="0" err="1"/>
+              <a:t>Cyclistic</a:t>
+            </a:r>
+            <a:r>
+              <a:rPr lang="en-US" sz="4000" dirty="0"/>
+              <a:t> is a bike-share company launched in 2016,  The initial marketing strategy of the company focused on flexible pricing plans for single-ride passes, full-day passes, and annual memberships. Annual members are identified as more profitable than casual riders, prompting a strategic shift to convert existing casual riders into members.</a:t>
+            </a:r>
           </a:p>
         </p:txBody>
       </p:sp>
       <p:pic>
         <p:nvPicPr>
-          <p:cNvPr id="13" name="Picture 2" descr="Google Data Analytics Capstone: Cyclistic Bike-Share Company | by khaled  laywad | Medium">
-            <a:extLst>
-              <a:ext uri="{FF2B5EF4-FFF2-40B4-BE49-F238E27FC236}">
-                <a16:creationId xmlns:a16="http://schemas.microsoft.com/office/drawing/2014/main" id="{BE60734C-E1EB-4557-B2B4-FC8033E5E422}"/>
+          <p:cNvPr id="4" name="Picture 2" descr="Google Data Analytics Capstone: Cyclistic Bike-Share Company | by khaled  laywad | Medium">
+            <a:extLst>
+              <a:ext uri="{FF2B5EF4-FFF2-40B4-BE49-F238E27FC236}">
+                <a16:creationId xmlns:a16="http://schemas.microsoft.com/office/drawing/2014/main" id="{10F52677-72BF-4B3A-9A94-F77469D77D70}"/>
               </a:ext>
             </a:extLst>
           </p:cNvPr>
@@ -5379,7 +5840,7 @@
           <p:nvPr/>
         </p:nvPicPr>
         <p:blipFill>
-          <a:blip r:embed="rId3">
+          <a:blip r:embed="rId2">
             <a:extLst>
               <a:ext uri="{28A0092B-C50C-407E-A947-70E740481C1C}">
                 <a14:useLocalDpi xmlns:a14="http://schemas.microsoft.com/office/drawing/2010/main" val="0"/>
@@ -5414,20 +5875,20 @@
     </p:spTree>
     <p:extLst>
       <p:ext uri="{BB962C8B-B14F-4D97-AF65-F5344CB8AC3E}">
-        <p14:creationId xmlns:p14="http://schemas.microsoft.com/office/powerpoint/2010/main" val="2813387829"/>
+        <p14:creationId xmlns:p14="http://schemas.microsoft.com/office/powerpoint/2010/main" val="925860756"/>
       </p:ext>
     </p:extLst>
   </p:cSld>
   <p:clrMapOvr>
     <a:masterClrMapping/>
   </p:clrMapOvr>
-  <mc:AlternateContent xmlns:mc="http://schemas.openxmlformats.org/markup-compatibility/2006" xmlns:p159="http://schemas.microsoft.com/office/powerpoint/2015/09/main">
-    <mc:Choice Requires="p159">
+  <mc:AlternateContent xmlns:mc="http://schemas.openxmlformats.org/markup-compatibility/2006">
+    <mc:Choice xmlns:p159="http://schemas.microsoft.com/office/powerpoint/2015/09/main" Requires="p159">
       <p:transition xmlns:p14="http://schemas.microsoft.com/office/powerpoint/2010/main" spd="slow" p14:dur="2000">
         <p159:morph option="byObject"/>
       </p:transition>
     </mc:Choice>
-    <mc:Fallback xmlns="">
+    <mc:Fallback>
       <p:transition spd="slow">
         <p:fade/>
       </p:transition>
@@ -5455,6 +5916,89 @@
       </p:grpSpPr>
       <p:sp>
         <p:nvSpPr>
+          <p:cNvPr id="2" name="Title 1">
+            <a:extLst>
+              <a:ext uri="{FF2B5EF4-FFF2-40B4-BE49-F238E27FC236}">
+                <a16:creationId xmlns:a16="http://schemas.microsoft.com/office/drawing/2014/main" id="{7EB0B688-B1E6-4CAC-9217-6AE0D8690935}"/>
+              </a:ext>
+            </a:extLst>
+          </p:cNvPr>
+          <p:cNvSpPr>
+            <a:spLocks noGrp="1"/>
+          </p:cNvSpPr>
+          <p:nvPr>
+            <p:ph type="title"/>
+          </p:nvPr>
+        </p:nvSpPr>
+        <p:spPr>
+          <a:xfrm>
+            <a:off x="838200" y="1669943"/>
+            <a:ext cx="2089935" cy="1325563"/>
+          </a:xfrm>
+        </p:spPr>
+        <p:txBody>
+          <a:bodyPr>
+            <a:normAutofit/>
+          </a:bodyPr>
+          <a:lstStyle/>
+          <a:p>
+            <a:r>
+              <a:rPr lang="en-US" sz="5400" dirty="0">
+                <a:latin typeface="Calibri (Body)"/>
+              </a:rPr>
+              <a:t>target</a:t>
+            </a:r>
+            <a:endParaRPr lang="en-US" sz="6000" dirty="0">
+              <a:latin typeface="Calibri (Body)"/>
+            </a:endParaRPr>
+          </a:p>
+        </p:txBody>
+      </p:sp>
+      <p:sp>
+        <p:nvSpPr>
+          <p:cNvPr id="3" name="Content Placeholder 2">
+            <a:extLst>
+              <a:ext uri="{FF2B5EF4-FFF2-40B4-BE49-F238E27FC236}">
+                <a16:creationId xmlns:a16="http://schemas.microsoft.com/office/drawing/2014/main" id="{7AB33282-F6BE-472B-A8CF-5E90C3AAF028}"/>
+              </a:ext>
+            </a:extLst>
+          </p:cNvPr>
+          <p:cNvSpPr>
+            <a:spLocks noGrp="1"/>
+          </p:cNvSpPr>
+          <p:nvPr>
+            <p:ph idx="1"/>
+          </p:nvPr>
+        </p:nvSpPr>
+        <p:spPr>
+          <a:xfrm>
+            <a:off x="838198" y="3503488"/>
+            <a:ext cx="10114053" cy="2576530"/>
+          </a:xfrm>
+        </p:spPr>
+        <p:txBody>
+          <a:bodyPr>
+            <a:normAutofit/>
+          </a:bodyPr>
+          <a:lstStyle/>
+          <a:p>
+            <a:pPr marL="0" indent="0" algn="ctr">
+              <a:buNone/>
+            </a:pPr>
+            <a:r>
+              <a:rPr lang="en-US" sz="4400" dirty="0"/>
+              <a:t>The goal to be achieved is how to transfer</a:t>
+            </a:r>
+            <a:endParaRPr lang="en-US" sz="4400" dirty="0">
+              <a:solidFill>
+                <a:srgbClr val="FF0000"/>
+              </a:solidFill>
+            </a:endParaRPr>
+          </a:p>
+        </p:txBody>
+      </p:sp>
+      <p:sp>
+        <p:nvSpPr>
           <p:cNvPr id="4" name="TextBox 3">
             <a:extLst>
               <a:ext uri="{FF2B5EF4-FFF2-40B4-BE49-F238E27FC236}">
@@ -5467,7 +6011,7 @@
         </p:nvSpPr>
         <p:spPr>
           <a:xfrm>
-            <a:off x="7286041" y="2167847"/>
+            <a:off x="6756390" y="4036344"/>
             <a:ext cx="2458090" cy="769441"/>
           </a:xfrm>
           <a:prstGeom prst="rect">
@@ -5507,7 +6051,7 @@
         </p:nvSpPr>
         <p:spPr>
           <a:xfrm>
-            <a:off x="1039528" y="2146547"/>
+            <a:off x="3105150" y="4036344"/>
             <a:ext cx="2844800" cy="769441"/>
           </a:xfrm>
           <a:prstGeom prst="rect">
@@ -5535,10 +6079,10 @@
       </p:sp>
       <p:sp>
         <p:nvSpPr>
-          <p:cNvPr id="7" name="TextBox 6">
-            <a:extLst>
-              <a:ext uri="{FF2B5EF4-FFF2-40B4-BE49-F238E27FC236}">
-                <a16:creationId xmlns:a16="http://schemas.microsoft.com/office/drawing/2014/main" id="{744E7770-5CE0-4D4D-A6CB-406C5660A78C}"/>
+          <p:cNvPr id="8" name="TextBox 7">
+            <a:extLst>
+              <a:ext uri="{FF2B5EF4-FFF2-40B4-BE49-F238E27FC236}">
+                <a16:creationId xmlns:a16="http://schemas.microsoft.com/office/drawing/2014/main" id="{ED352FCA-B369-4326-9C7D-D76BD5893DBE}"/>
               </a:ext>
             </a:extLst>
           </p:cNvPr>
@@ -5547,8 +6091,8 @@
         </p:nvSpPr>
         <p:spPr>
           <a:xfrm>
-            <a:off x="0" y="2937288"/>
-            <a:ext cx="6096000" cy="2400657"/>
+            <a:off x="5727700" y="4036343"/>
+            <a:ext cx="1143000" cy="769441"/>
           </a:xfrm>
           <a:prstGeom prst="rect">
             <a:avLst/>
@@ -5561,27 +6105,20 @@
           </a:bodyPr>
           <a:lstStyle/>
           <a:p>
-            <a:pPr algn="ctr"/>
-            <a:r>
-              <a:rPr lang="en-US" sz="4400" dirty="0">
-                <a:solidFill>
-                  <a:srgbClr val="0070C0"/>
-                </a:solidFill>
-              </a:rPr>
-              <a:t>customer that does not have a subscription institution</a:t>
-            </a:r>
-          </a:p>
-          <a:p>
+            <a:r>
+              <a:rPr lang="fr-FR" sz="4400" dirty="0" err="1"/>
+              <a:t>into</a:t>
+            </a:r>
             <a:endParaRPr lang="en-US" dirty="0"/>
           </a:p>
         </p:txBody>
       </p:sp>
       <p:sp>
         <p:nvSpPr>
-          <p:cNvPr id="10" name="TextBox 9">
-            <a:extLst>
-              <a:ext uri="{FF2B5EF4-FFF2-40B4-BE49-F238E27FC236}">
-                <a16:creationId xmlns:a16="http://schemas.microsoft.com/office/drawing/2014/main" id="{2FD08A60-3CFF-45F9-A4FE-897B008D136D}"/>
+          <p:cNvPr id="9" name="TextBox 8">
+            <a:extLst>
+              <a:ext uri="{FF2B5EF4-FFF2-40B4-BE49-F238E27FC236}">
+                <a16:creationId xmlns:a16="http://schemas.microsoft.com/office/drawing/2014/main" id="{2FA7379C-8CF8-4C12-8D7F-8F8599437723}"/>
               </a:ext>
             </a:extLst>
           </p:cNvPr>
@@ -5590,8 +6127,8 @@
         </p:nvSpPr>
         <p:spPr>
           <a:xfrm>
-            <a:off x="6329671" y="2915987"/>
-            <a:ext cx="4822801" cy="2400657"/>
+            <a:off x="3173841" y="4040543"/>
+            <a:ext cx="1132429" cy="769441"/>
           </a:xfrm>
           <a:prstGeom prst="rect">
             <a:avLst/>
@@ -5604,27 +6141,20 @@
           </a:bodyPr>
           <a:lstStyle/>
           <a:p>
-            <a:pPr algn="ctr"/>
-            <a:r>
-              <a:rPr lang="en-US" sz="4400" dirty="0">
-                <a:solidFill>
-                  <a:srgbClr val="FF0000"/>
-                </a:solidFill>
-              </a:rPr>
-              <a:t>customer that does have a subscription institution</a:t>
-            </a:r>
-          </a:p>
-          <a:p>
-            <a:endParaRPr lang="en-US" dirty="0"/>
+            <a:r>
+              <a:rPr lang="fr-FR" sz="4400" dirty="0"/>
+              <a:t>the</a:t>
+            </a:r>
+            <a:endParaRPr lang="en-US" sz="4400" dirty="0"/>
           </a:p>
         </p:txBody>
       </p:sp>
       <p:pic>
         <p:nvPicPr>
-          <p:cNvPr id="12" name="Picture 2" descr="Google Data Analytics Capstone: Cyclistic Bike-Share Company | by khaled  laywad | Medium">
-            <a:extLst>
-              <a:ext uri="{FF2B5EF4-FFF2-40B4-BE49-F238E27FC236}">
-                <a16:creationId xmlns:a16="http://schemas.microsoft.com/office/drawing/2014/main" id="{5E3D2969-B8DB-4A1C-A1C5-6B3484A0BD3D}"/>
+          <p:cNvPr id="13" name="Picture 2" descr="Google Data Analytics Capstone: Cyclistic Bike-Share Company | by khaled  laywad | Medium">
+            <a:extLst>
+              <a:ext uri="{FF2B5EF4-FFF2-40B4-BE49-F238E27FC236}">
+                <a16:creationId xmlns:a16="http://schemas.microsoft.com/office/drawing/2014/main" id="{BE60734C-E1EB-4557-B2B4-FC8033E5E422}"/>
               </a:ext>
             </a:extLst>
           </p:cNvPr>
@@ -5669,20 +6199,20 @@
     </p:spTree>
     <p:extLst>
       <p:ext uri="{BB962C8B-B14F-4D97-AF65-F5344CB8AC3E}">
-        <p14:creationId xmlns:p14="http://schemas.microsoft.com/office/powerpoint/2010/main" val="434623699"/>
+        <p14:creationId xmlns:p14="http://schemas.microsoft.com/office/powerpoint/2010/main" val="2813387829"/>
       </p:ext>
     </p:extLst>
   </p:cSld>
   <p:clrMapOvr>
     <a:masterClrMapping/>
   </p:clrMapOvr>
-  <mc:AlternateContent xmlns:mc="http://schemas.openxmlformats.org/markup-compatibility/2006" xmlns:p159="http://schemas.microsoft.com/office/powerpoint/2015/09/main">
-    <mc:Choice Requires="p159">
+  <mc:AlternateContent xmlns:mc="http://schemas.openxmlformats.org/markup-compatibility/2006">
+    <mc:Choice xmlns:p159="http://schemas.microsoft.com/office/powerpoint/2015/09/main" Requires="p159">
       <p:transition xmlns:p14="http://schemas.microsoft.com/office/powerpoint/2010/main" spd="slow" p14:dur="2000">
         <p159:morph option="byObject"/>
       </p:transition>
     </mc:Choice>
-    <mc:Fallback xmlns="">
+    <mc:Fallback>
       <p:transition spd="slow">
         <p:fade/>
       </p:transition>
@@ -5710,10 +6240,10 @@
       </p:grpSpPr>
       <p:sp>
         <p:nvSpPr>
-          <p:cNvPr id="11" name="TextBox 10">
-            <a:extLst>
-              <a:ext uri="{FF2B5EF4-FFF2-40B4-BE49-F238E27FC236}">
-                <a16:creationId xmlns:a16="http://schemas.microsoft.com/office/drawing/2014/main" id="{A6EB8FFD-B011-4C28-A320-C8F995E5C843}"/>
+          <p:cNvPr id="4" name="TextBox 3">
+            <a:extLst>
+              <a:ext uri="{FF2B5EF4-FFF2-40B4-BE49-F238E27FC236}">
+                <a16:creationId xmlns:a16="http://schemas.microsoft.com/office/drawing/2014/main" id="{A0228162-FB41-4FE6-B89C-D5146F34771F}"/>
               </a:ext>
             </a:extLst>
           </p:cNvPr>
@@ -5722,8 +6252,8 @@
         </p:nvSpPr>
         <p:spPr>
           <a:xfrm>
-            <a:off x="1099335" y="1489753"/>
-            <a:ext cx="9780998" cy="646331"/>
+            <a:off x="7286041" y="2167847"/>
+            <a:ext cx="2458090" cy="769441"/>
           </a:xfrm>
           <a:prstGeom prst="rect">
             <a:avLst/>
@@ -5731,25 +6261,29 @@
           <a:noFill/>
         </p:spPr>
         <p:txBody>
-          <a:bodyPr wrap="square">
+          <a:bodyPr wrap="square" rtlCol="0">
             <a:spAutoFit/>
           </a:bodyPr>
           <a:lstStyle/>
           <a:p>
-            <a:pPr algn="justLow"/>
-            <a:r>
-              <a:rPr lang="en-US" sz="3600" dirty="0"/>
-              <a:t>We will divide this topic into three basic categories:</a:t>
-            </a:r>
-          </a:p>
-        </p:txBody>
-      </p:sp>
-      <p:sp>
-        <p:nvSpPr>
-          <p:cNvPr id="7" name="TextBox 6">
-            <a:extLst>
-              <a:ext uri="{FF2B5EF4-FFF2-40B4-BE49-F238E27FC236}">
-                <a16:creationId xmlns:a16="http://schemas.microsoft.com/office/drawing/2014/main" id="{58200F70-9853-4729-B6DD-3123B1D8A894}"/>
+            <a:r>
+              <a:rPr lang="en-US" sz="4400" dirty="0">
+                <a:solidFill>
+                  <a:srgbClr val="FF0000"/>
+                </a:solidFill>
+              </a:rPr>
+              <a:t>members</a:t>
+            </a:r>
+            <a:endParaRPr lang="en-US" dirty="0"/>
+          </a:p>
+        </p:txBody>
+      </p:sp>
+      <p:sp>
+        <p:nvSpPr>
+          <p:cNvPr id="5" name="TextBox 4">
+            <a:extLst>
+              <a:ext uri="{FF2B5EF4-FFF2-40B4-BE49-F238E27FC236}">
+                <a16:creationId xmlns:a16="http://schemas.microsoft.com/office/drawing/2014/main" id="{9BF7FC12-003F-4A96-80A2-170233985D07}"/>
               </a:ext>
             </a:extLst>
           </p:cNvPr>
@@ -5758,8 +6292,8 @@
         </p:nvSpPr>
         <p:spPr>
           <a:xfrm>
-            <a:off x="5113106" y="3827591"/>
-            <a:ext cx="2567854" cy="646331"/>
+            <a:off x="1039528" y="2146547"/>
+            <a:ext cx="2844800" cy="769441"/>
           </a:xfrm>
           <a:prstGeom prst="rect">
             <a:avLst/>
@@ -5773,19 +6307,23 @@
           <a:lstStyle/>
           <a:p>
             <a:r>
-              <a:rPr lang="en-US" sz="3600" b="1" dirty="0"/>
-              <a:t>Conclusions</a:t>
-            </a:r>
-            <a:endParaRPr lang="en-US" sz="2000" b="1" dirty="0"/>
-          </a:p>
-        </p:txBody>
-      </p:sp>
-      <p:sp>
-        <p:nvSpPr>
-          <p:cNvPr id="15" name="TextBox 14">
-            <a:extLst>
-              <a:ext uri="{FF2B5EF4-FFF2-40B4-BE49-F238E27FC236}">
-                <a16:creationId xmlns:a16="http://schemas.microsoft.com/office/drawing/2014/main" id="{0C345516-751C-4B57-B51A-C62506624681}"/>
+              <a:rPr lang="en-US" sz="4400" dirty="0">
+                <a:solidFill>
+                  <a:srgbClr val="0070C0"/>
+                </a:solidFill>
+              </a:rPr>
+              <a:t>       casuals</a:t>
+            </a:r>
+            <a:endParaRPr lang="en-US" sz="4400" dirty="0"/>
+          </a:p>
+        </p:txBody>
+      </p:sp>
+      <p:sp>
+        <p:nvSpPr>
+          <p:cNvPr id="7" name="TextBox 6">
+            <a:extLst>
+              <a:ext uri="{FF2B5EF4-FFF2-40B4-BE49-F238E27FC236}">
+                <a16:creationId xmlns:a16="http://schemas.microsoft.com/office/drawing/2014/main" id="{744E7770-5CE0-4D4D-A6CB-406C5660A78C}"/>
               </a:ext>
             </a:extLst>
           </p:cNvPr>
@@ -5794,8 +6332,8 @@
         </p:nvSpPr>
         <p:spPr>
           <a:xfrm>
-            <a:off x="9029273" y="3827590"/>
-            <a:ext cx="2434975" cy="646331"/>
+            <a:off x="0" y="2937288"/>
+            <a:ext cx="6096000" cy="2400657"/>
           </a:xfrm>
           <a:prstGeom prst="rect">
             <a:avLst/>
@@ -5808,19 +6346,27 @@
           </a:bodyPr>
           <a:lstStyle/>
           <a:p>
-            <a:r>
-              <a:rPr lang="en-US" sz="3600" b="1" dirty="0"/>
-              <a:t>Suggestions</a:t>
-            </a:r>
-          </a:p>
-        </p:txBody>
-      </p:sp>
-      <p:sp>
-        <p:nvSpPr>
-          <p:cNvPr id="22" name="TextBox 21">
-            <a:extLst>
-              <a:ext uri="{FF2B5EF4-FFF2-40B4-BE49-F238E27FC236}">
-                <a16:creationId xmlns:a16="http://schemas.microsoft.com/office/drawing/2014/main" id="{CA6BED9F-4C01-48C3-8549-90FBBB5366B1}"/>
+            <a:pPr algn="ctr"/>
+            <a:r>
+              <a:rPr lang="en-US" sz="4400" dirty="0">
+                <a:solidFill>
+                  <a:srgbClr val="0070C0"/>
+                </a:solidFill>
+              </a:rPr>
+              <a:t>customer that does not have a subscription institution</a:t>
+            </a:r>
+          </a:p>
+          <a:p>
+            <a:endParaRPr lang="en-US" dirty="0"/>
+          </a:p>
+        </p:txBody>
+      </p:sp>
+      <p:sp>
+        <p:nvSpPr>
+          <p:cNvPr id="10" name="TextBox 9">
+            <a:extLst>
+              <a:ext uri="{FF2B5EF4-FFF2-40B4-BE49-F238E27FC236}">
+                <a16:creationId xmlns:a16="http://schemas.microsoft.com/office/drawing/2014/main" id="{2FD08A60-3CFF-45F9-A4FE-897B008D136D}"/>
               </a:ext>
             </a:extLst>
           </p:cNvPr>
@@ -5829,8 +6375,8 @@
         </p:nvSpPr>
         <p:spPr>
           <a:xfrm>
-            <a:off x="2321961" y="3827590"/>
-            <a:ext cx="1315092" cy="646331"/>
+            <a:off x="6329671" y="2915987"/>
+            <a:ext cx="4822801" cy="2400657"/>
           </a:xfrm>
           <a:prstGeom prst="rect">
             <a:avLst/>
@@ -5843,20 +6389,27 @@
           </a:bodyPr>
           <a:lstStyle/>
           <a:p>
-            <a:r>
-              <a:rPr lang="en-US" sz="3600" b="1" dirty="0"/>
-              <a:t>Chard</a:t>
-            </a:r>
-            <a:endParaRPr lang="en-US" sz="2000" b="1" dirty="0"/>
+            <a:pPr algn="ctr"/>
+            <a:r>
+              <a:rPr lang="en-US" sz="4400" dirty="0">
+                <a:solidFill>
+                  <a:srgbClr val="FF0000"/>
+                </a:solidFill>
+              </a:rPr>
+              <a:t>customer that does have a subscription institution</a:t>
+            </a:r>
+          </a:p>
+          <a:p>
+            <a:endParaRPr lang="en-US" dirty="0"/>
           </a:p>
         </p:txBody>
       </p:sp>
       <p:pic>
         <p:nvPicPr>
-          <p:cNvPr id="9" name="Picture 2" descr="Google Data Analytics Capstone: Cyclistic Bike-Share Company | by khaled  laywad | Medium">
-            <a:extLst>
-              <a:ext uri="{FF2B5EF4-FFF2-40B4-BE49-F238E27FC236}">
-                <a16:creationId xmlns:a16="http://schemas.microsoft.com/office/drawing/2014/main" id="{23A3D426-5B4C-4849-8D2B-EAC41502110B}"/>
+          <p:cNvPr id="12" name="Picture 2" descr="Google Data Analytics Capstone: Cyclistic Bike-Share Company | by khaled  laywad | Medium">
+            <a:extLst>
+              <a:ext uri="{FF2B5EF4-FFF2-40B4-BE49-F238E27FC236}">
+                <a16:creationId xmlns:a16="http://schemas.microsoft.com/office/drawing/2014/main" id="{5E3D2969-B8DB-4A1C-A1C5-6B3484A0BD3D}"/>
               </a:ext>
             </a:extLst>
           </p:cNvPr>
@@ -5901,20 +6454,20 @@
     </p:spTree>
     <p:extLst>
       <p:ext uri="{BB962C8B-B14F-4D97-AF65-F5344CB8AC3E}">
-        <p14:creationId xmlns:p14="http://schemas.microsoft.com/office/powerpoint/2010/main" val="2383283235"/>
+        <p14:creationId xmlns:p14="http://schemas.microsoft.com/office/powerpoint/2010/main" val="434623699"/>
       </p:ext>
     </p:extLst>
   </p:cSld>
   <p:clrMapOvr>
     <a:masterClrMapping/>
   </p:clrMapOvr>
-  <mc:AlternateContent xmlns:mc="http://schemas.openxmlformats.org/markup-compatibility/2006" xmlns:p159="http://schemas.microsoft.com/office/powerpoint/2015/09/main">
-    <mc:Choice Requires="p159">
+  <mc:AlternateContent xmlns:mc="http://schemas.openxmlformats.org/markup-compatibility/2006">
+    <mc:Choice xmlns:p159="http://schemas.microsoft.com/office/powerpoint/2015/09/main" Requires="p159">
       <p:transition xmlns:p14="http://schemas.microsoft.com/office/powerpoint/2010/main" spd="slow" p14:dur="2000">
         <p159:morph option="byObject"/>
       </p:transition>
     </mc:Choice>
-    <mc:Fallback xmlns="">
+    <mc:Fallback>
       <p:transition spd="slow">
         <p:fade/>
       </p:transition>
@@ -5940,48 +6493,12 @@
           <a:chExt cx="0" cy="0"/>
         </a:xfrm>
       </p:grpSpPr>
-      <p:pic>
-        <p:nvPicPr>
-          <p:cNvPr id="8" name="Picture 7">
-            <a:extLst>
-              <a:ext uri="{FF2B5EF4-FFF2-40B4-BE49-F238E27FC236}">
-                <a16:creationId xmlns:a16="http://schemas.microsoft.com/office/drawing/2014/main" id="{523A25BE-D770-49AA-A523-934B078B06D0}"/>
-              </a:ext>
-            </a:extLst>
-          </p:cNvPr>
-          <p:cNvPicPr>
-            <a:picLocks noChangeAspect="1"/>
-          </p:cNvPicPr>
-          <p:nvPr/>
-        </p:nvPicPr>
-        <p:blipFill>
-          <a:blip r:embed="rId3">
-            <a:extLst>
-              <a:ext uri="{28A0092B-C50C-407E-A947-70E740481C1C}">
-                <a14:useLocalDpi xmlns:a14="http://schemas.microsoft.com/office/drawing/2010/main" val="0"/>
-              </a:ext>
-            </a:extLst>
-          </a:blip>
-          <a:stretch>
-            <a:fillRect/>
-          </a:stretch>
-        </p:blipFill>
-        <p:spPr>
-          <a:xfrm>
-            <a:off x="70246" y="1506028"/>
-            <a:ext cx="7504836" cy="4210810"/>
-          </a:xfrm>
-          <a:prstGeom prst="rect">
-            <a:avLst/>
-          </a:prstGeom>
-        </p:spPr>
-      </p:pic>
-      <p:sp>
-        <p:nvSpPr>
-          <p:cNvPr id="9" name="TextBox 8">
-            <a:extLst>
-              <a:ext uri="{FF2B5EF4-FFF2-40B4-BE49-F238E27FC236}">
-                <a16:creationId xmlns:a16="http://schemas.microsoft.com/office/drawing/2014/main" id="{5140EED1-0268-4760-B52E-A8FABFB15AE0}"/>
+      <p:sp>
+        <p:nvSpPr>
+          <p:cNvPr id="11" name="TextBox 10">
+            <a:extLst>
+              <a:ext uri="{FF2B5EF4-FFF2-40B4-BE49-F238E27FC236}">
+                <a16:creationId xmlns:a16="http://schemas.microsoft.com/office/drawing/2014/main" id="{A6EB8FFD-B011-4C28-A320-C8F995E5C843}"/>
               </a:ext>
             </a:extLst>
           </p:cNvPr>
@@ -5990,8 +6507,8 @@
         </p:nvSpPr>
         <p:spPr>
           <a:xfrm>
-            <a:off x="7055837" y="2215913"/>
-            <a:ext cx="4779075" cy="1569660"/>
+            <a:off x="1099335" y="1489753"/>
+            <a:ext cx="9780998" cy="646331"/>
           </a:xfrm>
           <a:prstGeom prst="rect">
             <a:avLst/>
@@ -5999,24 +6516,25 @@
           <a:noFill/>
         </p:spPr>
         <p:txBody>
-          <a:bodyPr wrap="square" rtlCol="0">
+          <a:bodyPr wrap="square">
             <a:spAutoFit/>
           </a:bodyPr>
           <a:lstStyle/>
           <a:p>
-            <a:r>
-              <a:rPr lang="en-US" sz="3200" dirty="0"/>
-              <a:t>We note that the percentage of members is more than one percentage</a:t>
-            </a:r>
-          </a:p>
-        </p:txBody>
-      </p:sp>
-      <p:sp>
-        <p:nvSpPr>
-          <p:cNvPr id="16" name="TextBox 15">
-            <a:extLst>
-              <a:ext uri="{FF2B5EF4-FFF2-40B4-BE49-F238E27FC236}">
-                <a16:creationId xmlns:a16="http://schemas.microsoft.com/office/drawing/2014/main" id="{B718BB3F-7F95-4BEB-836E-261D69EE61CF}"/>
+            <a:pPr algn="justLow"/>
+            <a:r>
+              <a:rPr lang="en-US" sz="3600" dirty="0"/>
+              <a:t>We will divide this topic into four basic categories:</a:t>
+            </a:r>
+          </a:p>
+        </p:txBody>
+      </p:sp>
+      <p:sp>
+        <p:nvSpPr>
+          <p:cNvPr id="7" name="TextBox 6">
+            <a:extLst>
+              <a:ext uri="{FF2B5EF4-FFF2-40B4-BE49-F238E27FC236}">
+                <a16:creationId xmlns:a16="http://schemas.microsoft.com/office/drawing/2014/main" id="{58200F70-9853-4729-B6DD-3123B1D8A894}"/>
               </a:ext>
             </a:extLst>
           </p:cNvPr>
@@ -6025,8 +6543,8 @@
         </p:nvSpPr>
         <p:spPr>
           <a:xfrm>
-            <a:off x="5113106" y="7648102"/>
-            <a:ext cx="2337371" cy="646331"/>
+            <a:off x="4812073" y="4546780"/>
+            <a:ext cx="2567854" cy="646331"/>
           </a:xfrm>
           <a:prstGeom prst="rect">
             <a:avLst/>
@@ -6040,19 +6558,19 @@
           <a:lstStyle/>
           <a:p>
             <a:r>
-              <a:rPr lang="en-US" sz="3600" dirty="0"/>
-              <a:t>conclusions</a:t>
-            </a:r>
-            <a:endParaRPr lang="en-US" sz="2000" dirty="0"/>
-          </a:p>
-        </p:txBody>
-      </p:sp>
-      <p:sp>
-        <p:nvSpPr>
-          <p:cNvPr id="17" name="TextBox 16">
-            <a:extLst>
-              <a:ext uri="{FF2B5EF4-FFF2-40B4-BE49-F238E27FC236}">
-                <a16:creationId xmlns:a16="http://schemas.microsoft.com/office/drawing/2014/main" id="{F8A731E0-9B94-4805-8A4E-7A6DB19E3C42}"/>
+              <a:rPr lang="en-US" sz="3600" b="1" dirty="0"/>
+              <a:t>Conclusions</a:t>
+            </a:r>
+            <a:endParaRPr lang="en-US" sz="2000" b="1" dirty="0"/>
+          </a:p>
+        </p:txBody>
+      </p:sp>
+      <p:sp>
+        <p:nvSpPr>
+          <p:cNvPr id="15" name="TextBox 14">
+            <a:extLst>
+              <a:ext uri="{FF2B5EF4-FFF2-40B4-BE49-F238E27FC236}">
+                <a16:creationId xmlns:a16="http://schemas.microsoft.com/office/drawing/2014/main" id="{0C345516-751C-4B57-B51A-C62506624681}"/>
               </a:ext>
             </a:extLst>
           </p:cNvPr>
@@ -6061,7 +6579,7 @@
         </p:nvSpPr>
         <p:spPr>
           <a:xfrm>
-            <a:off x="9029273" y="7648102"/>
+            <a:off x="8114873" y="4546781"/>
             <a:ext cx="2434975" cy="646331"/>
           </a:xfrm>
           <a:prstGeom prst="rect">
@@ -6076,18 +6594,18 @@
           <a:lstStyle/>
           <a:p>
             <a:r>
-              <a:rPr lang="en-US" sz="3600" dirty="0"/>
-              <a:t>suggestions</a:t>
-            </a:r>
-          </a:p>
-        </p:txBody>
-      </p:sp>
-      <p:sp>
-        <p:nvSpPr>
-          <p:cNvPr id="18" name="TextBox 17">
-            <a:extLst>
-              <a:ext uri="{FF2B5EF4-FFF2-40B4-BE49-F238E27FC236}">
-                <a16:creationId xmlns:a16="http://schemas.microsoft.com/office/drawing/2014/main" id="{05B44D10-5224-4A8E-B949-F7BD781343F1}"/>
+              <a:rPr lang="en-US" sz="3600" b="1" dirty="0"/>
+              <a:t>Suggestions</a:t>
+            </a:r>
+          </a:p>
+        </p:txBody>
+      </p:sp>
+      <p:sp>
+        <p:nvSpPr>
+          <p:cNvPr id="22" name="TextBox 21">
+            <a:extLst>
+              <a:ext uri="{FF2B5EF4-FFF2-40B4-BE49-F238E27FC236}">
+                <a16:creationId xmlns:a16="http://schemas.microsoft.com/office/drawing/2014/main" id="{CA6BED9F-4C01-48C3-8549-90FBBB5366B1}"/>
               </a:ext>
             </a:extLst>
           </p:cNvPr>
@@ -6096,8 +6614,8 @@
         </p:nvSpPr>
         <p:spPr>
           <a:xfrm>
-            <a:off x="4937760" y="601505"/>
-            <a:ext cx="2637322" cy="769441"/>
+            <a:off x="1407560" y="4546781"/>
+            <a:ext cx="2669567" cy="954107"/>
           </a:xfrm>
           <a:prstGeom prst="rect">
             <a:avLst/>
@@ -6111,19 +6629,27 @@
           <a:lstStyle/>
           <a:p>
             <a:r>
-              <a:rPr lang="en-US" sz="4400" b="1" dirty="0"/>
-              <a:t>chart</a:t>
-            </a:r>
-            <a:endParaRPr lang="en-US" sz="2400" b="1" dirty="0"/>
+              <a:rPr lang="en-US" sz="3600" b="1" i="0" dirty="0">
+                <a:solidFill>
+                  <a:srgbClr val="1F2328"/>
+                </a:solidFill>
+                <a:effectLst/>
+                <a:latin typeface="-apple-system"/>
+              </a:rPr>
+              <a:t>Visualization</a:t>
+            </a:r>
+          </a:p>
+          <a:p>
+            <a:endParaRPr lang="en-US" sz="2000" b="1" dirty="0"/>
           </a:p>
         </p:txBody>
       </p:sp>
       <p:pic>
         <p:nvPicPr>
-          <p:cNvPr id="12" name="Picture 2" descr="Google Data Analytics Capstone: Cyclistic Bike-Share Company | by khaled  laywad | Medium">
-            <a:extLst>
-              <a:ext uri="{FF2B5EF4-FFF2-40B4-BE49-F238E27FC236}">
-                <a16:creationId xmlns:a16="http://schemas.microsoft.com/office/drawing/2014/main" id="{CE87797A-DDEE-4060-BF44-EAB91BABA79D}"/>
+          <p:cNvPr id="9" name="Picture 2" descr="Google Data Analytics Capstone: Cyclistic Bike-Share Company | by khaled  laywad | Medium">
+            <a:extLst>
+              <a:ext uri="{FF2B5EF4-FFF2-40B4-BE49-F238E27FC236}">
+                <a16:creationId xmlns:a16="http://schemas.microsoft.com/office/drawing/2014/main" id="{23A3D426-5B4C-4849-8D2B-EAC41502110B}"/>
               </a:ext>
             </a:extLst>
           </p:cNvPr>
@@ -6133,7 +6659,7 @@
           <p:nvPr/>
         </p:nvPicPr>
         <p:blipFill>
-          <a:blip r:embed="rId4">
+          <a:blip r:embed="rId3">
             <a:extLst>
               <a:ext uri="{28A0092B-C50C-407E-A947-70E740481C1C}">
                 <a14:useLocalDpi xmlns:a14="http://schemas.microsoft.com/office/drawing/2010/main" val="0"/>
@@ -6165,23 +6691,67 @@
           </a:extLst>
         </p:spPr>
       </p:pic>
+      <p:sp>
+        <p:nvSpPr>
+          <p:cNvPr id="2" name="TextBox 1">
+            <a:extLst>
+              <a:ext uri="{FF2B5EF4-FFF2-40B4-BE49-F238E27FC236}">
+                <a16:creationId xmlns:a16="http://schemas.microsoft.com/office/drawing/2014/main" id="{E489DA62-57C6-4203-AE6A-A7FC3F18C724}"/>
+              </a:ext>
+            </a:extLst>
+          </p:cNvPr>
+          <p:cNvSpPr txBox="1"/>
+          <p:nvPr/>
+        </p:nvSpPr>
+        <p:spPr>
+          <a:xfrm>
+            <a:off x="3924728" y="3429000"/>
+            <a:ext cx="3913769" cy="923330"/>
+          </a:xfrm>
+          <a:prstGeom prst="rect">
+            <a:avLst/>
+          </a:prstGeom>
+          <a:noFill/>
+        </p:spPr>
+        <p:txBody>
+          <a:bodyPr wrap="square" rtlCol="0">
+            <a:spAutoFit/>
+          </a:bodyPr>
+          <a:lstStyle/>
+          <a:p>
+            <a:r>
+              <a:rPr lang="en-US" sz="3600" b="1" i="0" dirty="0">
+                <a:solidFill>
+                  <a:srgbClr val="1F2328"/>
+                </a:solidFill>
+                <a:effectLst/>
+                <a:latin typeface="-apple-system"/>
+              </a:rPr>
+              <a:t>Data Manipulation</a:t>
+            </a:r>
+          </a:p>
+          <a:p>
+            <a:endParaRPr lang="en-US" dirty="0"/>
+          </a:p>
+        </p:txBody>
+      </p:sp>
     </p:spTree>
     <p:extLst>
       <p:ext uri="{BB962C8B-B14F-4D97-AF65-F5344CB8AC3E}">
-        <p14:creationId xmlns:p14="http://schemas.microsoft.com/office/powerpoint/2010/main" val="4220034502"/>
+        <p14:creationId xmlns:p14="http://schemas.microsoft.com/office/powerpoint/2010/main" val="2383283235"/>
       </p:ext>
     </p:extLst>
   </p:cSld>
   <p:clrMapOvr>
     <a:masterClrMapping/>
   </p:clrMapOvr>
-  <mc:AlternateContent xmlns:mc="http://schemas.openxmlformats.org/markup-compatibility/2006" xmlns:p159="http://schemas.microsoft.com/office/powerpoint/2015/09/main">
-    <mc:Choice Requires="p159">
+  <mc:AlternateContent xmlns:mc="http://schemas.openxmlformats.org/markup-compatibility/2006">
+    <mc:Choice xmlns:p159="http://schemas.microsoft.com/office/powerpoint/2015/09/main" Requires="p159">
       <p:transition xmlns:p14="http://schemas.microsoft.com/office/powerpoint/2010/main" spd="slow" p14:dur="2000">
         <p159:morph option="byObject"/>
       </p:transition>
     </mc:Choice>
-    <mc:Fallback xmlns="">
+    <mc:Fallback>
       <p:transition spd="slow">
         <p:fade/>
       </p:transition>
@@ -6207,48 +6777,12 @@
           <a:chExt cx="0" cy="0"/>
         </a:xfrm>
       </p:grpSpPr>
-      <p:pic>
-        <p:nvPicPr>
-          <p:cNvPr id="6" name="Picture 5">
-            <a:extLst>
-              <a:ext uri="{FF2B5EF4-FFF2-40B4-BE49-F238E27FC236}">
-                <a16:creationId xmlns:a16="http://schemas.microsoft.com/office/drawing/2014/main" id="{5A7CD987-4CDE-42F9-AC5E-04E3F203F6BA}"/>
-              </a:ext>
-            </a:extLst>
-          </p:cNvPr>
-          <p:cNvPicPr>
-            <a:picLocks noChangeAspect="1"/>
-          </p:cNvPicPr>
-          <p:nvPr/>
-        </p:nvPicPr>
-        <p:blipFill>
-          <a:blip r:embed="rId3">
-            <a:extLst>
-              <a:ext uri="{28A0092B-C50C-407E-A947-70E740481C1C}">
-                <a14:useLocalDpi xmlns:a14="http://schemas.microsoft.com/office/drawing/2010/main" val="0"/>
-              </a:ext>
-            </a:extLst>
-          </a:blip>
-          <a:stretch>
-            <a:fillRect/>
-          </a:stretch>
-        </p:blipFill>
-        <p:spPr>
-          <a:xfrm>
-            <a:off x="0" y="1974233"/>
-            <a:ext cx="7684038" cy="4309358"/>
-          </a:xfrm>
-          <a:prstGeom prst="rect">
-            <a:avLst/>
-          </a:prstGeom>
-        </p:spPr>
-      </p:pic>
-      <p:sp>
-        <p:nvSpPr>
-          <p:cNvPr id="10" name="TextBox 9">
-            <a:extLst>
-              <a:ext uri="{FF2B5EF4-FFF2-40B4-BE49-F238E27FC236}">
-                <a16:creationId xmlns:a16="http://schemas.microsoft.com/office/drawing/2014/main" id="{267DE7E4-EA77-45A3-888A-E8C9FE99F5A9}"/>
+      <p:sp>
+        <p:nvSpPr>
+          <p:cNvPr id="4" name="TextBox 3">
+            <a:extLst>
+              <a:ext uri="{FF2B5EF4-FFF2-40B4-BE49-F238E27FC236}">
+                <a16:creationId xmlns:a16="http://schemas.microsoft.com/office/drawing/2014/main" id="{36C71BB0-2A99-4DD6-A64E-F030A5D2DBBB}"/>
               </a:ext>
             </a:extLst>
           </p:cNvPr>
@@ -6257,8 +6791,8 @@
         </p:nvSpPr>
         <p:spPr>
           <a:xfrm>
-            <a:off x="6964326" y="2490864"/>
-            <a:ext cx="5227674" cy="2323713"/>
+            <a:off x="3924728" y="809089"/>
+            <a:ext cx="3913769" cy="923330"/>
           </a:xfrm>
           <a:prstGeom prst="rect">
             <a:avLst/>
@@ -6271,33 +6805,28 @@
           </a:bodyPr>
           <a:lstStyle/>
           <a:p>
-            <a:pPr algn="justLow"/>
-            <a:r>
-              <a:rPr lang="en-US" sz="2900" dirty="0"/>
-              <a:t>But we note at the same time that the length of time spent by the casuals and members is close compared to the percentage of members</a:t>
-            </a:r>
-            <a:r>
-              <a:rPr lang="ar-EG" sz="2900" dirty="0"/>
-              <a:t> </a:t>
-            </a:r>
-            <a:r>
-              <a:rPr lang="fr-FR" sz="2900" dirty="0"/>
-              <a:t> and </a:t>
-            </a:r>
-            <a:r>
-              <a:rPr lang="fr-FR" sz="2900" dirty="0" err="1"/>
-              <a:t>casuals</a:t>
-            </a:r>
-            <a:endParaRPr lang="en-US" sz="2900" dirty="0"/>
-          </a:p>
-        </p:txBody>
-      </p:sp>
-      <p:sp>
-        <p:nvSpPr>
-          <p:cNvPr id="21" name="TextBox 20">
-            <a:extLst>
-              <a:ext uri="{FF2B5EF4-FFF2-40B4-BE49-F238E27FC236}">
-                <a16:creationId xmlns:a16="http://schemas.microsoft.com/office/drawing/2014/main" id="{37BF0FE0-19A1-4775-A398-100550E028BD}"/>
+            <a:r>
+              <a:rPr lang="en-US" sz="3600" b="1" i="0" dirty="0">
+                <a:solidFill>
+                  <a:srgbClr val="1F2328"/>
+                </a:solidFill>
+                <a:effectLst/>
+                <a:latin typeface="-apple-system"/>
+              </a:rPr>
+              <a:t>Data Manipulation</a:t>
+            </a:r>
+          </a:p>
+          <a:p>
+            <a:endParaRPr lang="en-US" dirty="0"/>
+          </a:p>
+        </p:txBody>
+      </p:sp>
+      <p:sp>
+        <p:nvSpPr>
+          <p:cNvPr id="6" name="TextBox 5">
+            <a:extLst>
+              <a:ext uri="{FF2B5EF4-FFF2-40B4-BE49-F238E27FC236}">
+                <a16:creationId xmlns:a16="http://schemas.microsoft.com/office/drawing/2014/main" id="{984F9FCD-2CAB-4E22-BD95-AC5614A96028}"/>
               </a:ext>
             </a:extLst>
           </p:cNvPr>
@@ -6306,8 +6835,8 @@
         </p:nvSpPr>
         <p:spPr>
           <a:xfrm>
-            <a:off x="4937760" y="601505"/>
-            <a:ext cx="2637322" cy="769441"/>
+            <a:off x="1595967" y="2172275"/>
+            <a:ext cx="9000065" cy="2062103"/>
           </a:xfrm>
           <a:prstGeom prst="rect">
             <a:avLst/>
@@ -6320,78 +6849,67 @@
           </a:bodyPr>
           <a:lstStyle/>
           <a:p>
-            <a:r>
-              <a:rPr lang="en-US" sz="4400" b="1" dirty="0"/>
-              <a:t>chart</a:t>
-            </a:r>
-            <a:endParaRPr lang="en-US" sz="2400" b="1" dirty="0"/>
-          </a:p>
-        </p:txBody>
-      </p:sp>
-      <p:pic>
-        <p:nvPicPr>
-          <p:cNvPr id="9" name="Picture 2" descr="Google Data Analytics Capstone: Cyclistic Bike-Share Company | by khaled  laywad | Medium">
-            <a:extLst>
-              <a:ext uri="{FF2B5EF4-FFF2-40B4-BE49-F238E27FC236}">
-                <a16:creationId xmlns:a16="http://schemas.microsoft.com/office/drawing/2014/main" id="{0841AC8A-D4EC-4A39-9D55-10B2817D6202}"/>
-              </a:ext>
-            </a:extLst>
-          </p:cNvPr>
-          <p:cNvPicPr>
-            <a:picLocks noChangeAspect="1" noChangeArrowheads="1"/>
-          </p:cNvPicPr>
-          <p:nvPr/>
-        </p:nvPicPr>
-        <p:blipFill>
-          <a:blip r:embed="rId4">
-            <a:extLst>
-              <a:ext uri="{28A0092B-C50C-407E-A947-70E740481C1C}">
-                <a14:useLocalDpi xmlns:a14="http://schemas.microsoft.com/office/drawing/2010/main" val="0"/>
-              </a:ext>
-            </a:extLst>
-          </a:blip>
-          <a:srcRect/>
-          <a:stretch>
-            <a:fillRect/>
-          </a:stretch>
-        </p:blipFill>
-        <p:spPr bwMode="auto">
-          <a:xfrm>
-            <a:off x="208910" y="44844"/>
-            <a:ext cx="1071937" cy="1077520"/>
-          </a:xfrm>
-          <a:prstGeom prst="rect">
-            <a:avLst/>
-          </a:prstGeom>
-          <a:noFill/>
-          <a:extLst>
-            <a:ext uri="{909E8E84-426E-40DD-AFC4-6F175D3DCCD1}">
-              <a14:hiddenFill xmlns:a14="http://schemas.microsoft.com/office/drawing/2010/main">
-                <a:solidFill>
-                  <a:srgbClr val="FFFFFF"/>
-                </a:solidFill>
-              </a14:hiddenFill>
-            </a:ext>
-          </a:extLst>
-        </p:spPr>
-      </p:pic>
+            <a:pPr algn="just"/>
+            <a:r>
+              <a:rPr lang="en-US" sz="3200" dirty="0"/>
+              <a:t>From the </a:t>
+            </a:r>
+            <a:r>
+              <a:rPr lang="en-US" sz="3200" dirty="0" err="1"/>
+              <a:t>start_at</a:t>
+            </a:r>
+            <a:r>
+              <a:rPr lang="en-US" sz="3200" dirty="0"/>
+              <a:t> column, we extract the hour, day of the week, and month columns</a:t>
+            </a:r>
+            <a:r>
+              <a:rPr lang="ar-EG" sz="3200" dirty="0"/>
+              <a:t> </a:t>
+            </a:r>
+            <a:r>
+              <a:rPr lang="fr-FR" sz="3200" dirty="0"/>
+              <a:t> and </a:t>
+            </a:r>
+            <a:r>
+              <a:rPr lang="en-US" sz="3200" dirty="0"/>
+              <a:t>The difference in time is in minutes through subtraction that </a:t>
+            </a:r>
+            <a:r>
+              <a:rPr lang="en-US" sz="3200" dirty="0" err="1"/>
+              <a:t>started_at</a:t>
+            </a:r>
+            <a:r>
+              <a:rPr lang="en-US" sz="3200" dirty="0"/>
+              <a:t> and ended</a:t>
+            </a:r>
+            <a:r>
+              <a:rPr lang="fr-FR" sz="3200" dirty="0"/>
+              <a:t>_</a:t>
+            </a:r>
+            <a:r>
+              <a:rPr lang="en-US" sz="3200" dirty="0"/>
+              <a:t>at</a:t>
+            </a:r>
+          </a:p>
+        </p:txBody>
+      </p:sp>
     </p:spTree>
     <p:extLst>
       <p:ext uri="{BB962C8B-B14F-4D97-AF65-F5344CB8AC3E}">
-        <p14:creationId xmlns:p14="http://schemas.microsoft.com/office/powerpoint/2010/main" val="3553190138"/>
+        <p14:creationId xmlns:p14="http://schemas.microsoft.com/office/powerpoint/2010/main" val="1587306404"/>
       </p:ext>
     </p:extLst>
   </p:cSld>
   <p:clrMapOvr>
     <a:masterClrMapping/>
   </p:clrMapOvr>
-  <mc:AlternateContent xmlns:mc="http://schemas.openxmlformats.org/markup-compatibility/2006" xmlns:p159="http://schemas.microsoft.com/office/powerpoint/2015/09/main">
-    <mc:Choice Requires="p159">
-      <p:transition xmlns:p14="http://schemas.microsoft.com/office/powerpoint/2010/main" spd="slow" p14:dur="1500">
+  <mc:AlternateContent xmlns:mc="http://schemas.openxmlformats.org/markup-compatibility/2006">
+    <mc:Choice xmlns:p159="http://schemas.microsoft.com/office/powerpoint/2015/09/main" Requires="p159">
+      <p:transition xmlns:p14="http://schemas.microsoft.com/office/powerpoint/2010/main" spd="slow" p14:dur="2000">
         <p159:morph option="byObject"/>
       </p:transition>
     </mc:Choice>
-    <mc:Fallback xmlns="">
+    <mc:Fallback>
       <p:transition spd="slow">
         <p:fade/>
       </p:transition>
@@ -6417,44 +6935,12 @@
           <a:chExt cx="0" cy="0"/>
         </a:xfrm>
       </p:grpSpPr>
-      <p:sp>
-        <p:nvSpPr>
-          <p:cNvPr id="5" name="TextBox 4">
-            <a:extLst>
-              <a:ext uri="{FF2B5EF4-FFF2-40B4-BE49-F238E27FC236}">
-                <a16:creationId xmlns:a16="http://schemas.microsoft.com/office/drawing/2014/main" id="{9BF7FC12-003F-4A96-80A2-170233985D07}"/>
-              </a:ext>
-            </a:extLst>
-          </p:cNvPr>
-          <p:cNvSpPr txBox="1"/>
-          <p:nvPr/>
-        </p:nvSpPr>
-        <p:spPr>
-          <a:xfrm>
-            <a:off x="-375385" y="236533"/>
-            <a:ext cx="3599849" cy="769441"/>
-          </a:xfrm>
-          <a:prstGeom prst="rect">
-            <a:avLst/>
-          </a:prstGeom>
-          <a:noFill/>
-        </p:spPr>
-        <p:txBody>
-          <a:bodyPr wrap="square" rtlCol="0">
-            <a:spAutoFit/>
-          </a:bodyPr>
-          <a:lstStyle/>
-          <a:p>
-            <a:endParaRPr lang="en-US" sz="4400" dirty="0"/>
-          </a:p>
-        </p:txBody>
-      </p:sp>
       <p:pic>
         <p:nvPicPr>
-          <p:cNvPr id="4" name="Picture 3">
-            <a:extLst>
-              <a:ext uri="{FF2B5EF4-FFF2-40B4-BE49-F238E27FC236}">
-                <a16:creationId xmlns:a16="http://schemas.microsoft.com/office/drawing/2014/main" id="{5C5C8539-CFAC-4B62-A65B-79E0890D78C1}"/>
+          <p:cNvPr id="8" name="Picture 7">
+            <a:extLst>
+              <a:ext uri="{FF2B5EF4-FFF2-40B4-BE49-F238E27FC236}">
+                <a16:creationId xmlns:a16="http://schemas.microsoft.com/office/drawing/2014/main" id="{523A25BE-D770-49AA-A523-934B078B06D0}"/>
               </a:ext>
             </a:extLst>
           </p:cNvPr>
@@ -6477,8 +6963,8 @@
         </p:blipFill>
         <p:spPr>
           <a:xfrm>
-            <a:off x="147264" y="1681031"/>
-            <a:ext cx="8168963" cy="4502112"/>
+            <a:off x="70246" y="1506028"/>
+            <a:ext cx="7504836" cy="4210810"/>
           </a:xfrm>
           <a:prstGeom prst="rect">
             <a:avLst/>
@@ -6487,10 +6973,10 @@
       </p:pic>
       <p:sp>
         <p:nvSpPr>
-          <p:cNvPr id="7" name="TextBox 6">
-            <a:extLst>
-              <a:ext uri="{FF2B5EF4-FFF2-40B4-BE49-F238E27FC236}">
-                <a16:creationId xmlns:a16="http://schemas.microsoft.com/office/drawing/2014/main" id="{31C49E56-4823-4708-9B34-8101627A44AB}"/>
+          <p:cNvPr id="9" name="TextBox 8">
+            <a:extLst>
+              <a:ext uri="{FF2B5EF4-FFF2-40B4-BE49-F238E27FC236}">
+                <a16:creationId xmlns:a16="http://schemas.microsoft.com/office/drawing/2014/main" id="{5140EED1-0268-4760-B52E-A8FABFB15AE0}"/>
               </a:ext>
             </a:extLst>
           </p:cNvPr>
@@ -6499,8 +6985,8 @@
         </p:nvSpPr>
         <p:spPr>
           <a:xfrm>
-            <a:off x="8316228" y="2736502"/>
-            <a:ext cx="3355216" cy="1384995"/>
+            <a:off x="7055837" y="2215913"/>
+            <a:ext cx="4779075" cy="1569660"/>
           </a:xfrm>
           <a:prstGeom prst="rect">
             <a:avLst/>
@@ -6514,8 +7000,8 @@
           <a:lstStyle/>
           <a:p>
             <a:r>
-              <a:rPr lang="en-US" sz="2800" dirty="0"/>
-              <a:t>We notice that casual prefer to use our services on weekends</a:t>
+              <a:rPr lang="en-US" sz="3200" dirty="0"/>
+              <a:t>We note that the percentage of members is more than one percentage</a:t>
             </a:r>
           </a:p>
         </p:txBody>
@@ -6525,7 +7011,7 @@
           <p:cNvPr id="16" name="TextBox 15">
             <a:extLst>
               <a:ext uri="{FF2B5EF4-FFF2-40B4-BE49-F238E27FC236}">
-                <a16:creationId xmlns:a16="http://schemas.microsoft.com/office/drawing/2014/main" id="{DDB82D01-5117-445A-9981-CC50FE70046C}"/>
+                <a16:creationId xmlns:a16="http://schemas.microsoft.com/office/drawing/2014/main" id="{B718BB3F-7F95-4BEB-836E-261D69EE61CF}"/>
               </a:ext>
             </a:extLst>
           </p:cNvPr>
@@ -6534,8 +7020,8 @@
         </p:nvSpPr>
         <p:spPr>
           <a:xfrm>
-            <a:off x="4937760" y="601505"/>
-            <a:ext cx="2637322" cy="769441"/>
+            <a:off x="5113106" y="7648102"/>
+            <a:ext cx="2337371" cy="646331"/>
           </a:xfrm>
           <a:prstGeom prst="rect">
             <a:avLst/>
@@ -6549,19 +7035,98 @@
           <a:lstStyle/>
           <a:p>
             <a:r>
-              <a:rPr lang="en-US" sz="4400" b="1" dirty="0"/>
-              <a:t>chart</a:t>
-            </a:r>
+              <a:rPr lang="en-US" sz="3600" dirty="0"/>
+              <a:t>conclusions</a:t>
+            </a:r>
+            <a:endParaRPr lang="en-US" sz="2000" dirty="0"/>
+          </a:p>
+        </p:txBody>
+      </p:sp>
+      <p:sp>
+        <p:nvSpPr>
+          <p:cNvPr id="17" name="TextBox 16">
+            <a:extLst>
+              <a:ext uri="{FF2B5EF4-FFF2-40B4-BE49-F238E27FC236}">
+                <a16:creationId xmlns:a16="http://schemas.microsoft.com/office/drawing/2014/main" id="{F8A731E0-9B94-4805-8A4E-7A6DB19E3C42}"/>
+              </a:ext>
+            </a:extLst>
+          </p:cNvPr>
+          <p:cNvSpPr txBox="1"/>
+          <p:nvPr/>
+        </p:nvSpPr>
+        <p:spPr>
+          <a:xfrm>
+            <a:off x="9029273" y="7648102"/>
+            <a:ext cx="2434975" cy="646331"/>
+          </a:xfrm>
+          <a:prstGeom prst="rect">
+            <a:avLst/>
+          </a:prstGeom>
+          <a:noFill/>
+        </p:spPr>
+        <p:txBody>
+          <a:bodyPr wrap="square" rtlCol="0">
+            <a:spAutoFit/>
+          </a:bodyPr>
+          <a:lstStyle/>
+          <a:p>
+            <a:r>
+              <a:rPr lang="en-US" sz="3600" dirty="0"/>
+              <a:t>suggestions</a:t>
+            </a:r>
+          </a:p>
+        </p:txBody>
+      </p:sp>
+      <p:sp>
+        <p:nvSpPr>
+          <p:cNvPr id="18" name="TextBox 17">
+            <a:extLst>
+              <a:ext uri="{FF2B5EF4-FFF2-40B4-BE49-F238E27FC236}">
+                <a16:creationId xmlns:a16="http://schemas.microsoft.com/office/drawing/2014/main" id="{05B44D10-5224-4A8E-B949-F7BD781343F1}"/>
+              </a:ext>
+            </a:extLst>
+          </p:cNvPr>
+          <p:cNvSpPr txBox="1"/>
+          <p:nvPr/>
+        </p:nvSpPr>
+        <p:spPr>
+          <a:xfrm>
+            <a:off x="4172678" y="284648"/>
+            <a:ext cx="3846644" cy="1138773"/>
+          </a:xfrm>
+          <a:prstGeom prst="rect">
+            <a:avLst/>
+          </a:prstGeom>
+          <a:noFill/>
+        </p:spPr>
+        <p:txBody>
+          <a:bodyPr wrap="square" rtlCol="0">
+            <a:spAutoFit/>
+          </a:bodyPr>
+          <a:lstStyle/>
+          <a:p>
+            <a:r>
+              <a:rPr lang="en-US" sz="4400" b="1" i="0" dirty="0">
+                <a:solidFill>
+                  <a:srgbClr val="1F2328"/>
+                </a:solidFill>
+                <a:effectLst/>
+                <a:latin typeface="-apple-system"/>
+              </a:rPr>
+              <a:t>Visualization</a:t>
+            </a:r>
+          </a:p>
+          <a:p>
             <a:endParaRPr lang="en-US" sz="2400" b="1" dirty="0"/>
           </a:p>
         </p:txBody>
       </p:sp>
       <p:pic>
         <p:nvPicPr>
-          <p:cNvPr id="10" name="Picture 2" descr="Google Data Analytics Capstone: Cyclistic Bike-Share Company | by khaled  laywad | Medium">
-            <a:extLst>
-              <a:ext uri="{FF2B5EF4-FFF2-40B4-BE49-F238E27FC236}">
-                <a16:creationId xmlns:a16="http://schemas.microsoft.com/office/drawing/2014/main" id="{016D7D03-B5F0-4FBC-80A7-A63A553B5E1B}"/>
+          <p:cNvPr id="12" name="Picture 2" descr="Google Data Analytics Capstone: Cyclistic Bike-Share Company | by khaled  laywad | Medium">
+            <a:extLst>
+              <a:ext uri="{FF2B5EF4-FFF2-40B4-BE49-F238E27FC236}">
+                <a16:creationId xmlns:a16="http://schemas.microsoft.com/office/drawing/2014/main" id="{CE87797A-DDEE-4060-BF44-EAB91BABA79D}"/>
               </a:ext>
             </a:extLst>
           </p:cNvPr>
@@ -6606,20 +7171,20 @@
     </p:spTree>
     <p:extLst>
       <p:ext uri="{BB962C8B-B14F-4D97-AF65-F5344CB8AC3E}">
-        <p14:creationId xmlns:p14="http://schemas.microsoft.com/office/powerpoint/2010/main" val="3011328304"/>
+        <p14:creationId xmlns:p14="http://schemas.microsoft.com/office/powerpoint/2010/main" val="4220034502"/>
       </p:ext>
     </p:extLst>
   </p:cSld>
   <p:clrMapOvr>
     <a:masterClrMapping/>
   </p:clrMapOvr>
-  <mc:AlternateContent xmlns:mc="http://schemas.openxmlformats.org/markup-compatibility/2006" xmlns:p159="http://schemas.microsoft.com/office/powerpoint/2015/09/main">
-    <mc:Choice Requires="p159">
-      <p:transition xmlns:p14="http://schemas.microsoft.com/office/powerpoint/2010/main" spd="slow" p14:dur="1500">
+  <mc:AlternateContent xmlns:mc="http://schemas.openxmlformats.org/markup-compatibility/2006">
+    <mc:Choice xmlns:p159="http://schemas.microsoft.com/office/powerpoint/2015/09/main" Requires="p159">
+      <p:transition xmlns:p14="http://schemas.microsoft.com/office/powerpoint/2010/main" spd="slow" p14:dur="2000">
         <p159:morph option="byObject"/>
       </p:transition>
     </mc:Choice>
-    <mc:Fallback xmlns="">
+    <mc:Fallback>
       <p:transition spd="slow">
         <p:fade/>
       </p:transition>
@@ -6647,10 +7212,10 @@
       </p:grpSpPr>
       <p:pic>
         <p:nvPicPr>
-          <p:cNvPr id="9" name="Picture 8">
-            <a:extLst>
-              <a:ext uri="{FF2B5EF4-FFF2-40B4-BE49-F238E27FC236}">
-                <a16:creationId xmlns:a16="http://schemas.microsoft.com/office/drawing/2014/main" id="{68292446-FC53-488F-91F5-A8CDAB42CA63}"/>
+          <p:cNvPr id="6" name="Picture 5">
+            <a:extLst>
+              <a:ext uri="{FF2B5EF4-FFF2-40B4-BE49-F238E27FC236}">
+                <a16:creationId xmlns:a16="http://schemas.microsoft.com/office/drawing/2014/main" id="{5A7CD987-4CDE-42F9-AC5E-04E3F203F6BA}"/>
               </a:ext>
             </a:extLst>
           </p:cNvPr>
@@ -6673,8 +7238,8 @@
         </p:blipFill>
         <p:spPr>
           <a:xfrm>
-            <a:off x="74175" y="2116476"/>
-            <a:ext cx="6968494" cy="3646149"/>
+            <a:off x="0" y="1974233"/>
+            <a:ext cx="7684038" cy="4309358"/>
           </a:xfrm>
           <a:prstGeom prst="rect">
             <a:avLst/>
@@ -6683,10 +7248,10 @@
       </p:pic>
       <p:sp>
         <p:nvSpPr>
-          <p:cNvPr id="4" name="TextBox 3">
-            <a:extLst>
-              <a:ext uri="{FF2B5EF4-FFF2-40B4-BE49-F238E27FC236}">
-                <a16:creationId xmlns:a16="http://schemas.microsoft.com/office/drawing/2014/main" id="{CB074C89-9CBB-4B54-8BFB-EA5DE30F35DB}"/>
+          <p:cNvPr id="10" name="TextBox 9">
+            <a:extLst>
+              <a:ext uri="{FF2B5EF4-FFF2-40B4-BE49-F238E27FC236}">
+                <a16:creationId xmlns:a16="http://schemas.microsoft.com/office/drawing/2014/main" id="{267DE7E4-EA77-45A3-888A-E8C9FE99F5A9}"/>
               </a:ext>
             </a:extLst>
           </p:cNvPr>
@@ -6695,8 +7260,8 @@
         </p:nvSpPr>
         <p:spPr>
           <a:xfrm>
-            <a:off x="7660627" y="1669197"/>
-            <a:ext cx="3445737" cy="4093428"/>
+            <a:off x="6964326" y="2490864"/>
+            <a:ext cx="5227674" cy="2323713"/>
           </a:xfrm>
           <a:prstGeom prst="rect">
             <a:avLst/>
@@ -6711,62 +7276,31 @@
           <a:p>
             <a:pPr algn="justLow"/>
             <a:r>
-              <a:rPr lang="en-US" sz="2600" dirty="0"/>
-              <a:t>We notice that the demand for our services increases from the fifth month to the tenth month</a:t>
-            </a:r>
-            <a:r>
-              <a:rPr lang="ar-EG" sz="2600" dirty="0"/>
+              <a:rPr lang="en-US" sz="2900" dirty="0"/>
+              <a:t>But we note at the same time that the length of time spent by the casuals and members is close compared to the percentage of members</a:t>
+            </a:r>
+            <a:r>
+              <a:rPr lang="ar-EG" sz="2900" dirty="0"/>
               <a:t> </a:t>
             </a:r>
             <a:r>
-              <a:rPr lang="en-US" sz="2600" dirty="0"/>
-              <a:t>This may be due to people preferring to use bicycles in warmer climates and other means of transportation in colder climates.</a:t>
-            </a:r>
-          </a:p>
-        </p:txBody>
-      </p:sp>
-      <p:sp>
-        <p:nvSpPr>
-          <p:cNvPr id="16" name="TextBox 15">
-            <a:extLst>
-              <a:ext uri="{FF2B5EF4-FFF2-40B4-BE49-F238E27FC236}">
-                <a16:creationId xmlns:a16="http://schemas.microsoft.com/office/drawing/2014/main" id="{AB618AB9-F1DE-4EA9-ACF5-A60D5CC6B889}"/>
-              </a:ext>
-            </a:extLst>
-          </p:cNvPr>
-          <p:cNvSpPr txBox="1"/>
-          <p:nvPr/>
-        </p:nvSpPr>
-        <p:spPr>
-          <a:xfrm>
-            <a:off x="4937760" y="601505"/>
-            <a:ext cx="2637322" cy="769441"/>
-          </a:xfrm>
-          <a:prstGeom prst="rect">
-            <a:avLst/>
-          </a:prstGeom>
-          <a:noFill/>
-        </p:spPr>
-        <p:txBody>
-          <a:bodyPr wrap="square" rtlCol="0">
-            <a:spAutoFit/>
-          </a:bodyPr>
-          <a:lstStyle/>
-          <a:p>
-            <a:r>
-              <a:rPr lang="en-US" sz="4400" b="1" dirty="0"/>
-              <a:t>chart</a:t>
-            </a:r>
-            <a:endParaRPr lang="en-US" sz="2400" b="1" dirty="0"/>
+              <a:rPr lang="fr-FR" sz="2900" dirty="0"/>
+              <a:t> and </a:t>
+            </a:r>
+            <a:r>
+              <a:rPr lang="fr-FR" sz="2900" dirty="0" err="1"/>
+              <a:t>casuals</a:t>
+            </a:r>
+            <a:endParaRPr lang="en-US" sz="2900" dirty="0"/>
           </a:p>
         </p:txBody>
       </p:sp>
       <p:pic>
         <p:nvPicPr>
-          <p:cNvPr id="8" name="Picture 2" descr="Google Data Analytics Capstone: Cyclistic Bike-Share Company | by khaled  laywad | Medium">
-            <a:extLst>
-              <a:ext uri="{FF2B5EF4-FFF2-40B4-BE49-F238E27FC236}">
-                <a16:creationId xmlns:a16="http://schemas.microsoft.com/office/drawing/2014/main" id="{2146B6DA-B8E0-43C3-83E9-26B0D2AD58BD}"/>
+          <p:cNvPr id="9" name="Picture 2" descr="Google Data Analytics Capstone: Cyclistic Bike-Share Company | by khaled  laywad | Medium">
+            <a:extLst>
+              <a:ext uri="{FF2B5EF4-FFF2-40B4-BE49-F238E27FC236}">
+                <a16:creationId xmlns:a16="http://schemas.microsoft.com/office/drawing/2014/main" id="{0841AC8A-D4EC-4A39-9D55-10B2817D6202}"/>
               </a:ext>
             </a:extLst>
           </p:cNvPr>
@@ -6808,23 +7342,67 @@
           </a:extLst>
         </p:spPr>
       </p:pic>
+      <p:sp>
+        <p:nvSpPr>
+          <p:cNvPr id="8" name="TextBox 7">
+            <a:extLst>
+              <a:ext uri="{FF2B5EF4-FFF2-40B4-BE49-F238E27FC236}">
+                <a16:creationId xmlns:a16="http://schemas.microsoft.com/office/drawing/2014/main" id="{8B364B85-B454-4F51-A796-D751C7147C6D}"/>
+              </a:ext>
+            </a:extLst>
+          </p:cNvPr>
+          <p:cNvSpPr txBox="1"/>
+          <p:nvPr/>
+        </p:nvSpPr>
+        <p:spPr>
+          <a:xfrm>
+            <a:off x="4172678" y="284648"/>
+            <a:ext cx="3846644" cy="1138773"/>
+          </a:xfrm>
+          <a:prstGeom prst="rect">
+            <a:avLst/>
+          </a:prstGeom>
+          <a:noFill/>
+        </p:spPr>
+        <p:txBody>
+          <a:bodyPr wrap="square" rtlCol="0">
+            <a:spAutoFit/>
+          </a:bodyPr>
+          <a:lstStyle/>
+          <a:p>
+            <a:r>
+              <a:rPr lang="en-US" sz="4400" b="1" i="0" dirty="0">
+                <a:solidFill>
+                  <a:srgbClr val="1F2328"/>
+                </a:solidFill>
+                <a:effectLst/>
+                <a:latin typeface="-apple-system"/>
+              </a:rPr>
+              <a:t>Visualization</a:t>
+            </a:r>
+          </a:p>
+          <a:p>
+            <a:endParaRPr lang="en-US" sz="2400" b="1" dirty="0"/>
+          </a:p>
+        </p:txBody>
+      </p:sp>
     </p:spTree>
     <p:extLst>
       <p:ext uri="{BB962C8B-B14F-4D97-AF65-F5344CB8AC3E}">
-        <p14:creationId xmlns:p14="http://schemas.microsoft.com/office/powerpoint/2010/main" val="1265071511"/>
+        <p14:creationId xmlns:p14="http://schemas.microsoft.com/office/powerpoint/2010/main" val="3553190138"/>
       </p:ext>
     </p:extLst>
   </p:cSld>
   <p:clrMapOvr>
     <a:masterClrMapping/>
   </p:clrMapOvr>
-  <mc:AlternateContent xmlns:mc="http://schemas.openxmlformats.org/markup-compatibility/2006" xmlns:p159="http://schemas.microsoft.com/office/powerpoint/2015/09/main">
-    <mc:Choice Requires="p159">
-      <p:transition xmlns:p14="http://schemas.microsoft.com/office/powerpoint/2010/main" spd="slow" p14:dur="1500">
+  <mc:AlternateContent xmlns:mc="http://schemas.openxmlformats.org/markup-compatibility/2006">
+    <mc:Choice xmlns:p159="http://schemas.microsoft.com/office/powerpoint/2015/09/main" Requires="p159">
+      <p:transition xmlns:p14="http://schemas.microsoft.com/office/powerpoint/2010/main" spd="slow" p14:dur="2000">
         <p159:morph option="byObject"/>
       </p:transition>
     </mc:Choice>
-    <mc:Fallback xmlns="">
+    <mc:Fallback>
       <p:transition spd="slow">
         <p:fade/>
       </p:transition>
@@ -6850,12 +7428,44 @@
           <a:chExt cx="0" cy="0"/>
         </a:xfrm>
       </p:grpSpPr>
+      <p:sp>
+        <p:nvSpPr>
+          <p:cNvPr id="5" name="TextBox 4">
+            <a:extLst>
+              <a:ext uri="{FF2B5EF4-FFF2-40B4-BE49-F238E27FC236}">
+                <a16:creationId xmlns:a16="http://schemas.microsoft.com/office/drawing/2014/main" id="{9BF7FC12-003F-4A96-80A2-170233985D07}"/>
+              </a:ext>
+            </a:extLst>
+          </p:cNvPr>
+          <p:cNvSpPr txBox="1"/>
+          <p:nvPr/>
+        </p:nvSpPr>
+        <p:spPr>
+          <a:xfrm>
+            <a:off x="-375385" y="236533"/>
+            <a:ext cx="3599849" cy="769441"/>
+          </a:xfrm>
+          <a:prstGeom prst="rect">
+            <a:avLst/>
+          </a:prstGeom>
+          <a:noFill/>
+        </p:spPr>
+        <p:txBody>
+          <a:bodyPr wrap="square" rtlCol="0">
+            <a:spAutoFit/>
+          </a:bodyPr>
+          <a:lstStyle/>
+          <a:p>
+            <a:endParaRPr lang="en-US" sz="4400" dirty="0"/>
+          </a:p>
+        </p:txBody>
+      </p:sp>
       <p:pic>
         <p:nvPicPr>
-          <p:cNvPr id="3" name="Picture 2">
-            <a:extLst>
-              <a:ext uri="{FF2B5EF4-FFF2-40B4-BE49-F238E27FC236}">
-                <a16:creationId xmlns:a16="http://schemas.microsoft.com/office/drawing/2014/main" id="{B96037A6-CE89-4CBA-9CFB-A824C0117D24}"/>
+          <p:cNvPr id="4" name="Picture 3">
+            <a:extLst>
+              <a:ext uri="{FF2B5EF4-FFF2-40B4-BE49-F238E27FC236}">
+                <a16:creationId xmlns:a16="http://schemas.microsoft.com/office/drawing/2014/main" id="{5C5C8539-CFAC-4B62-A65B-79E0890D78C1}"/>
               </a:ext>
             </a:extLst>
           </p:cNvPr>
@@ -6878,8 +7488,8 @@
         </p:blipFill>
         <p:spPr>
           <a:xfrm>
-            <a:off x="147264" y="1927719"/>
-            <a:ext cx="7106291" cy="4092936"/>
+            <a:off x="147264" y="1681031"/>
+            <a:ext cx="8168963" cy="4502112"/>
           </a:xfrm>
           <a:prstGeom prst="rect">
             <a:avLst/>
@@ -6888,10 +7498,10 @@
       </p:pic>
       <p:sp>
         <p:nvSpPr>
-          <p:cNvPr id="6" name="TextBox 5">
-            <a:extLst>
-              <a:ext uri="{FF2B5EF4-FFF2-40B4-BE49-F238E27FC236}">
-                <a16:creationId xmlns:a16="http://schemas.microsoft.com/office/drawing/2014/main" id="{87E6932D-8B2B-456E-A13A-38902B494AFE}"/>
+          <p:cNvPr id="7" name="TextBox 6">
+            <a:extLst>
+              <a:ext uri="{FF2B5EF4-FFF2-40B4-BE49-F238E27FC236}">
+                <a16:creationId xmlns:a16="http://schemas.microsoft.com/office/drawing/2014/main" id="{31C49E56-4823-4708-9B34-8101627A44AB}"/>
               </a:ext>
             </a:extLst>
           </p:cNvPr>
@@ -6900,8 +7510,8 @@
         </p:nvSpPr>
         <p:spPr>
           <a:xfrm>
-            <a:off x="7407667" y="1229077"/>
-            <a:ext cx="4510355" cy="4708981"/>
+            <a:off x="8316228" y="2736502"/>
+            <a:ext cx="3355216" cy="1384995"/>
           </a:xfrm>
           <a:prstGeom prst="rect">
             <a:avLst/>
@@ -6914,47 +7524,10 @@
           </a:bodyPr>
           <a:lstStyle/>
           <a:p>
-            <a:pPr algn="justLow"/>
-            <a:r>
-              <a:rPr lang="en-US" sz="2500" dirty="0"/>
-              <a:t>We notice an increase in demand between four and six in the evening, which corresponds to the end of working hours, but we also notice that they do not use it in the same proportion when going to work, which means that customers often and not only use our services to go to and from work. They may even prefer to use it for other things after leaving work, such as sports</a:t>
-            </a:r>
-          </a:p>
-        </p:txBody>
-      </p:sp>
-      <p:sp>
-        <p:nvSpPr>
-          <p:cNvPr id="15" name="TextBox 14">
-            <a:extLst>
-              <a:ext uri="{FF2B5EF4-FFF2-40B4-BE49-F238E27FC236}">
-                <a16:creationId xmlns:a16="http://schemas.microsoft.com/office/drawing/2014/main" id="{A5BB4042-B8BA-4181-A367-89DA2421C79A}"/>
-              </a:ext>
-            </a:extLst>
-          </p:cNvPr>
-          <p:cNvSpPr txBox="1"/>
-          <p:nvPr/>
-        </p:nvSpPr>
-        <p:spPr>
-          <a:xfrm>
-            <a:off x="4937760" y="601505"/>
-            <a:ext cx="2637322" cy="769441"/>
-          </a:xfrm>
-          <a:prstGeom prst="rect">
-            <a:avLst/>
-          </a:prstGeom>
-          <a:noFill/>
-        </p:spPr>
-        <p:txBody>
-          <a:bodyPr wrap="square" rtlCol="0">
-            <a:spAutoFit/>
-          </a:bodyPr>
-          <a:lstStyle/>
-          <a:p>
-            <a:r>
-              <a:rPr lang="en-US" sz="4400" b="1" dirty="0"/>
-              <a:t>chart</a:t>
-            </a:r>
-            <a:endParaRPr lang="en-US" sz="2400" b="1" dirty="0"/>
+            <a:r>
+              <a:rPr lang="en-US" sz="2800" dirty="0"/>
+              <a:t>We notice that casual prefer to use our services on weekends</a:t>
+            </a:r>
           </a:p>
         </p:txBody>
       </p:sp>
@@ -6963,7 +7536,7 @@
           <p:cNvPr id="10" name="Picture 2" descr="Google Data Analytics Capstone: Cyclistic Bike-Share Company | by khaled  laywad | Medium">
             <a:extLst>
               <a:ext uri="{FF2B5EF4-FFF2-40B4-BE49-F238E27FC236}">
-                <a16:creationId xmlns:a16="http://schemas.microsoft.com/office/drawing/2014/main" id="{28EAAB6E-3B8C-48AF-A824-E042FBF387C3}"/>
+                <a16:creationId xmlns:a16="http://schemas.microsoft.com/office/drawing/2014/main" id="{016D7D03-B5F0-4FBC-80A7-A63A553B5E1B}"/>
               </a:ext>
             </a:extLst>
           </p:cNvPr>
@@ -7005,23 +7578,67 @@
           </a:extLst>
         </p:spPr>
       </p:pic>
+      <p:sp>
+        <p:nvSpPr>
+          <p:cNvPr id="9" name="TextBox 8">
+            <a:extLst>
+              <a:ext uri="{FF2B5EF4-FFF2-40B4-BE49-F238E27FC236}">
+                <a16:creationId xmlns:a16="http://schemas.microsoft.com/office/drawing/2014/main" id="{C288DA71-CFC9-4B50-8C1B-8EC73DACF233}"/>
+              </a:ext>
+            </a:extLst>
+          </p:cNvPr>
+          <p:cNvSpPr txBox="1"/>
+          <p:nvPr/>
+        </p:nvSpPr>
+        <p:spPr>
+          <a:xfrm>
+            <a:off x="4172678" y="284648"/>
+            <a:ext cx="3846644" cy="1138773"/>
+          </a:xfrm>
+          <a:prstGeom prst="rect">
+            <a:avLst/>
+          </a:prstGeom>
+          <a:noFill/>
+        </p:spPr>
+        <p:txBody>
+          <a:bodyPr wrap="square" rtlCol="0">
+            <a:spAutoFit/>
+          </a:bodyPr>
+          <a:lstStyle/>
+          <a:p>
+            <a:r>
+              <a:rPr lang="en-US" sz="4400" b="1" i="0" dirty="0">
+                <a:solidFill>
+                  <a:srgbClr val="1F2328"/>
+                </a:solidFill>
+                <a:effectLst/>
+                <a:latin typeface="-apple-system"/>
+              </a:rPr>
+              <a:t>Visualization</a:t>
+            </a:r>
+          </a:p>
+          <a:p>
+            <a:endParaRPr lang="en-US" sz="2400" b="1" dirty="0"/>
+          </a:p>
+        </p:txBody>
+      </p:sp>
     </p:spTree>
     <p:extLst>
       <p:ext uri="{BB962C8B-B14F-4D97-AF65-F5344CB8AC3E}">
-        <p14:creationId xmlns:p14="http://schemas.microsoft.com/office/powerpoint/2010/main" val="3733976649"/>
+        <p14:creationId xmlns:p14="http://schemas.microsoft.com/office/powerpoint/2010/main" val="3011328304"/>
       </p:ext>
     </p:extLst>
   </p:cSld>
   <p:clrMapOvr>
     <a:masterClrMapping/>
   </p:clrMapOvr>
-  <mc:AlternateContent xmlns:mc="http://schemas.openxmlformats.org/markup-compatibility/2006" xmlns:p159="http://schemas.microsoft.com/office/powerpoint/2015/09/main">
-    <mc:Choice Requires="p159">
-      <p:transition xmlns:p14="http://schemas.microsoft.com/office/powerpoint/2010/main" spd="slow" p14:dur="1500">
+  <mc:AlternateContent xmlns:mc="http://schemas.openxmlformats.org/markup-compatibility/2006">
+    <mc:Choice xmlns:p159="http://schemas.microsoft.com/office/powerpoint/2015/09/main" Requires="p159">
+      <p:transition xmlns:p14="http://schemas.microsoft.com/office/powerpoint/2010/main" spd="slow" p14:dur="2000">
         <p159:morph option="byObject"/>
       </p:transition>
     </mc:Choice>
-    <mc:Fallback xmlns="">
+    <mc:Fallback>
       <p:transition spd="slow">
         <p:fade/>
       </p:transition>
